--- a/Harvey_Presentation.pptx
+++ b/Harvey_Presentation.pptx
@@ -9,7 +9,7 @@
     <p:sldMasterId id="2147484765" r:id="rId9"/>
   </p:sldMasterIdLst>
   <p:notesMasterIdLst>
-    <p:notesMasterId r:id="rId31"/>
+    <p:notesMasterId r:id="rId32"/>
   </p:notesMasterIdLst>
   <p:sldIdLst>
     <p:sldId id="256" r:id="rId10"/>
@@ -24,15 +24,16 @@
     <p:sldId id="327" r:id="rId19"/>
     <p:sldId id="328" r:id="rId20"/>
     <p:sldId id="335" r:id="rId21"/>
-    <p:sldId id="333" r:id="rId22"/>
-    <p:sldId id="329" r:id="rId23"/>
-    <p:sldId id="330" r:id="rId24"/>
-    <p:sldId id="334" r:id="rId25"/>
-    <p:sldId id="336" r:id="rId26"/>
-    <p:sldId id="337" r:id="rId27"/>
-    <p:sldId id="331" r:id="rId28"/>
-    <p:sldId id="324" r:id="rId29"/>
-    <p:sldId id="276" r:id="rId30"/>
+    <p:sldId id="338" r:id="rId22"/>
+    <p:sldId id="333" r:id="rId23"/>
+    <p:sldId id="329" r:id="rId24"/>
+    <p:sldId id="330" r:id="rId25"/>
+    <p:sldId id="334" r:id="rId26"/>
+    <p:sldId id="336" r:id="rId27"/>
+    <p:sldId id="337" r:id="rId28"/>
+    <p:sldId id="331" r:id="rId29"/>
+    <p:sldId id="324" r:id="rId30"/>
+    <p:sldId id="276" r:id="rId31"/>
   </p:sldIdLst>
   <p:sldSz cx="9144000" cy="6858000" type="screen4x3"/>
   <p:notesSz cx="6858000" cy="9144000"/>
@@ -148,6 +149,7 @@
             <p14:sldId id="327"/>
             <p14:sldId id="328"/>
             <p14:sldId id="335"/>
+            <p14:sldId id="338"/>
             <p14:sldId id="333"/>
             <p14:sldId id="329"/>
             <p14:sldId id="330"/>
@@ -224,6 +226,7 @@
           </a:p>
         </c:rich>
       </c:tx>
+      <c:layout/>
       <c:overlay val="0"/>
       <c:spPr>
         <a:noFill/>
@@ -854,11 +857,11 @@
         </c:dLbls>
         <c:marker val="1"/>
         <c:smooth val="0"/>
-        <c:axId val="252645416"/>
-        <c:axId val="252645808"/>
+        <c:axId val="251334752"/>
+        <c:axId val="251335144"/>
       </c:lineChart>
       <c:catAx>
-        <c:axId val="252645416"/>
+        <c:axId val="251334752"/>
         <c:scaling>
           <c:orientation val="minMax"/>
         </c:scaling>
@@ -898,7 +901,7 @@
             <a:endParaRPr lang="en-US"/>
           </a:p>
         </c:txPr>
-        <c:crossAx val="252645808"/>
+        <c:crossAx val="251335144"/>
         <c:crosses val="autoZero"/>
         <c:auto val="1"/>
         <c:lblAlgn val="ctr"/>
@@ -906,7 +909,7 @@
         <c:noMultiLvlLbl val="0"/>
       </c:catAx>
       <c:valAx>
-        <c:axId val="252645808"/>
+        <c:axId val="251335144"/>
         <c:scaling>
           <c:orientation val="minMax"/>
         </c:scaling>
@@ -954,7 +957,7 @@
             <a:endParaRPr lang="en-US"/>
           </a:p>
         </c:txPr>
-        <c:crossAx val="252645416"/>
+        <c:crossAx val="251334752"/>
         <c:crosses val="autoZero"/>
         <c:crossBetween val="between"/>
       </c:valAx>
@@ -968,6 +971,7 @@
     </c:plotArea>
     <c:legend>
       <c:legendPos val="r"/>
+      <c:layout/>
       <c:overlay val="0"/>
       <c:spPr>
         <a:noFill/>
@@ -2239,7 +2243,7 @@
           <a:p>
             <a:fld id="{5048FDE5-8F84-42E1-9035-AB3ECE73D8F9}" type="slidenum">
               <a:rPr lang="en-US" smtClean="0"/>
-              <a:t>20</a:t>
+              <a:t>21</a:t>
             </a:fld>
             <a:endParaRPr lang="en-US" dirty="0"/>
           </a:p>
@@ -30575,11 +30579,7 @@
           <a:p>
             <a:r>
               <a:rPr lang="en-US" dirty="0" smtClean="0"/>
-              <a:t>The patient has attributes</a:t>
-            </a:r>
-            <a:r>
-              <a:rPr lang="en-US" dirty="0" smtClean="0"/>
-              <a:t>:</a:t>
+              <a:t>The patient has attributes:</a:t>
             </a:r>
           </a:p>
           <a:p>
@@ -30802,11 +30802,7 @@
             <a:pPr algn="ctr"/>
             <a:r>
               <a:rPr lang="en-US" b="1" dirty="0" smtClean="0"/>
-              <a:t>Waiting </a:t>
-            </a:r>
-            <a:r>
-              <a:rPr lang="en-US" b="1" dirty="0" smtClean="0"/>
-              <a:t>Time</a:t>
+              <a:t>Waiting Time</a:t>
             </a:r>
           </a:p>
           <a:p>
@@ -31499,6 +31495,493 @@
           </a:p>
         </p:txBody>
       </p:sp>
+      <p:grpSp>
+        <p:nvGrpSpPr>
+          <p:cNvPr id="5" name="Group 4"/>
+          <p:cNvGrpSpPr/>
+          <p:nvPr/>
+        </p:nvGrpSpPr>
+        <p:grpSpPr>
+          <a:xfrm>
+            <a:off x="0" y="6189980"/>
+            <a:ext cx="9122709" cy="676276"/>
+            <a:chOff x="0" y="6151343"/>
+            <a:chExt cx="9122709" cy="676276"/>
+          </a:xfrm>
+        </p:grpSpPr>
+        <p:pic>
+          <p:nvPicPr>
+            <p:cNvPr id="6" name="Picture 4" descr="https://www.unos.org/wp-content/uploads/unos/icon-ambulance.png?b2d5de"/>
+            <p:cNvPicPr>
+              <a:picLocks noChangeAspect="1" noChangeArrowheads="1"/>
+            </p:cNvPicPr>
+            <p:nvPr/>
+          </p:nvPicPr>
+          <p:blipFill>
+            <a:blip r:embed="rId2">
+              <a:duotone>
+                <a:schemeClr val="accent1">
+                  <a:shade val="45000"/>
+                  <a:satMod val="135000"/>
+                </a:schemeClr>
+                <a:prstClr val="white"/>
+              </a:duotone>
+              <a:extLst>
+                <a:ext uri="{28A0092B-C50C-407E-A947-70E740481C1C}">
+                  <a14:useLocalDpi xmlns:a14="http://schemas.microsoft.com/office/drawing/2010/main" val="0"/>
+                </a:ext>
+              </a:extLst>
+            </a:blip>
+            <a:srcRect/>
+            <a:stretch>
+              <a:fillRect/>
+            </a:stretch>
+          </p:blipFill>
+          <p:spPr bwMode="auto">
+            <a:xfrm>
+              <a:off x="0" y="6151343"/>
+              <a:ext cx="1038225" cy="676276"/>
+            </a:xfrm>
+            <a:prstGeom prst="rect">
+              <a:avLst/>
+            </a:prstGeom>
+            <a:noFill/>
+            <a:extLst>
+              <a:ext uri="{909E8E84-426E-40DD-AFC4-6F175D3DCCD1}">
+                <a14:hiddenFill xmlns:a14="http://schemas.microsoft.com/office/drawing/2010/main">
+                  <a:solidFill>
+                    <a:srgbClr val="FFFFFF"/>
+                  </a:solidFill>
+                </a14:hiddenFill>
+              </a:ext>
+            </a:extLst>
+          </p:spPr>
+        </p:pic>
+        <p:pic>
+          <p:nvPicPr>
+            <p:cNvPr id="7" name="Picture 6" descr="https://www.unos.org/wp-content/uploads/unos/icon-medical.png?b2d5de"/>
+            <p:cNvPicPr>
+              <a:picLocks noChangeAspect="1" noChangeArrowheads="1"/>
+            </p:cNvPicPr>
+            <p:nvPr/>
+          </p:nvPicPr>
+          <p:blipFill>
+            <a:blip r:embed="rId3">
+              <a:duotone>
+                <a:schemeClr val="accent1">
+                  <a:shade val="45000"/>
+                  <a:satMod val="135000"/>
+                </a:schemeClr>
+                <a:prstClr val="white"/>
+              </a:duotone>
+              <a:extLst>
+                <a:ext uri="{28A0092B-C50C-407E-A947-70E740481C1C}">
+                  <a14:useLocalDpi xmlns:a14="http://schemas.microsoft.com/office/drawing/2010/main" val="0"/>
+                </a:ext>
+              </a:extLst>
+            </a:blip>
+            <a:srcRect/>
+            <a:stretch>
+              <a:fillRect/>
+            </a:stretch>
+          </p:blipFill>
+          <p:spPr bwMode="auto">
+            <a:xfrm>
+              <a:off x="898276" y="6151343"/>
+              <a:ext cx="1038225" cy="676276"/>
+            </a:xfrm>
+            <a:prstGeom prst="rect">
+              <a:avLst/>
+            </a:prstGeom>
+            <a:noFill/>
+            <a:extLst>
+              <a:ext uri="{909E8E84-426E-40DD-AFC4-6F175D3DCCD1}">
+                <a14:hiddenFill xmlns:a14="http://schemas.microsoft.com/office/drawing/2010/main">
+                  <a:solidFill>
+                    <a:srgbClr val="FFFFFF"/>
+                  </a:solidFill>
+                </a14:hiddenFill>
+              </a:ext>
+            </a:extLst>
+          </p:spPr>
+        </p:pic>
+        <p:pic>
+          <p:nvPicPr>
+            <p:cNvPr id="8" name="Picture 8" descr="https://www.unos.org/wp-content/uploads/unos/icon-heart1.png?b2d5de"/>
+            <p:cNvPicPr>
+              <a:picLocks noChangeAspect="1" noChangeArrowheads="1"/>
+            </p:cNvPicPr>
+            <p:nvPr/>
+          </p:nvPicPr>
+          <p:blipFill rotWithShape="1">
+            <a:blip r:embed="rId4">
+              <a:duotone>
+                <a:schemeClr val="accent1">
+                  <a:shade val="45000"/>
+                  <a:satMod val="135000"/>
+                </a:schemeClr>
+                <a:prstClr val="white"/>
+              </a:duotone>
+              <a:extLst>
+                <a:ext uri="{28A0092B-C50C-407E-A947-70E740481C1C}">
+                  <a14:useLocalDpi xmlns:a14="http://schemas.microsoft.com/office/drawing/2010/main" val="0"/>
+                </a:ext>
+              </a:extLst>
+            </a:blip>
+            <a:srcRect b="15392"/>
+            <a:stretch/>
+          </p:blipFill>
+          <p:spPr bwMode="auto">
+            <a:xfrm>
+              <a:off x="1796552" y="6203388"/>
+              <a:ext cx="1038225" cy="572186"/>
+            </a:xfrm>
+            <a:prstGeom prst="rect">
+              <a:avLst/>
+            </a:prstGeom>
+            <a:noFill/>
+            <a:extLst>
+              <a:ext uri="{909E8E84-426E-40DD-AFC4-6F175D3DCCD1}">
+                <a14:hiddenFill xmlns:a14="http://schemas.microsoft.com/office/drawing/2010/main">
+                  <a:solidFill>
+                    <a:srgbClr val="FFFFFF"/>
+                  </a:solidFill>
+                </a14:hiddenFill>
+              </a:ext>
+            </a:extLst>
+          </p:spPr>
+        </p:pic>
+        <p:pic>
+          <p:nvPicPr>
+            <p:cNvPr id="9" name="Picture 10" descr="https://www.unos.org/wp-content/uploads/unos/icon-clock2.png?b2d5de"/>
+            <p:cNvPicPr>
+              <a:picLocks noChangeAspect="1" noChangeArrowheads="1"/>
+            </p:cNvPicPr>
+            <p:nvPr/>
+          </p:nvPicPr>
+          <p:blipFill>
+            <a:blip r:embed="rId5">
+              <a:duotone>
+                <a:schemeClr val="accent1">
+                  <a:shade val="45000"/>
+                  <a:satMod val="135000"/>
+                </a:schemeClr>
+                <a:prstClr val="white"/>
+              </a:duotone>
+              <a:extLst>
+                <a:ext uri="{28A0092B-C50C-407E-A947-70E740481C1C}">
+                  <a14:useLocalDpi xmlns:a14="http://schemas.microsoft.com/office/drawing/2010/main" val="0"/>
+                </a:ext>
+              </a:extLst>
+            </a:blip>
+            <a:srcRect/>
+            <a:stretch>
+              <a:fillRect/>
+            </a:stretch>
+          </p:blipFill>
+          <p:spPr bwMode="auto">
+            <a:xfrm>
+              <a:off x="2694828" y="6151343"/>
+              <a:ext cx="1038225" cy="676276"/>
+            </a:xfrm>
+            <a:prstGeom prst="rect">
+              <a:avLst/>
+            </a:prstGeom>
+            <a:noFill/>
+            <a:extLst>
+              <a:ext uri="{909E8E84-426E-40DD-AFC4-6F175D3DCCD1}">
+                <a14:hiddenFill xmlns:a14="http://schemas.microsoft.com/office/drawing/2010/main">
+                  <a:solidFill>
+                    <a:srgbClr val="FFFFFF"/>
+                  </a:solidFill>
+                </a14:hiddenFill>
+              </a:ext>
+            </a:extLst>
+          </p:spPr>
+        </p:pic>
+        <p:pic>
+          <p:nvPicPr>
+            <p:cNvPr id="10" name="Picture 12" descr="https://www.unos.org/wp-content/uploads/unos/icon-checklist.png?b2d5de"/>
+            <p:cNvPicPr>
+              <a:picLocks noChangeAspect="1" noChangeArrowheads="1"/>
+            </p:cNvPicPr>
+            <p:nvPr/>
+          </p:nvPicPr>
+          <p:blipFill>
+            <a:blip r:embed="rId6">
+              <a:duotone>
+                <a:schemeClr val="accent1">
+                  <a:shade val="45000"/>
+                  <a:satMod val="135000"/>
+                </a:schemeClr>
+                <a:prstClr val="white"/>
+              </a:duotone>
+              <a:extLst>
+                <a:ext uri="{28A0092B-C50C-407E-A947-70E740481C1C}">
+                  <a14:useLocalDpi xmlns:a14="http://schemas.microsoft.com/office/drawing/2010/main" val="0"/>
+                </a:ext>
+              </a:extLst>
+            </a:blip>
+            <a:srcRect/>
+            <a:stretch>
+              <a:fillRect/>
+            </a:stretch>
+          </p:blipFill>
+          <p:spPr bwMode="auto">
+            <a:xfrm>
+              <a:off x="3593104" y="6151343"/>
+              <a:ext cx="1038225" cy="676276"/>
+            </a:xfrm>
+            <a:prstGeom prst="rect">
+              <a:avLst/>
+            </a:prstGeom>
+            <a:noFill/>
+            <a:extLst>
+              <a:ext uri="{909E8E84-426E-40DD-AFC4-6F175D3DCCD1}">
+                <a14:hiddenFill xmlns:a14="http://schemas.microsoft.com/office/drawing/2010/main">
+                  <a:solidFill>
+                    <a:srgbClr val="FFFFFF"/>
+                  </a:solidFill>
+                </a14:hiddenFill>
+              </a:ext>
+            </a:extLst>
+          </p:spPr>
+        </p:pic>
+        <p:pic>
+          <p:nvPicPr>
+            <p:cNvPr id="11" name="Picture 14" descr="https://www.unos.org/wp-content/uploads/unos/icon-consent.png?b2d5de"/>
+            <p:cNvPicPr>
+              <a:picLocks noChangeAspect="1" noChangeArrowheads="1"/>
+            </p:cNvPicPr>
+            <p:nvPr/>
+          </p:nvPicPr>
+          <p:blipFill>
+            <a:blip r:embed="rId7">
+              <a:duotone>
+                <a:schemeClr val="accent1">
+                  <a:shade val="45000"/>
+                  <a:satMod val="135000"/>
+                </a:schemeClr>
+                <a:prstClr val="white"/>
+              </a:duotone>
+              <a:extLst>
+                <a:ext uri="{28A0092B-C50C-407E-A947-70E740481C1C}">
+                  <a14:useLocalDpi xmlns:a14="http://schemas.microsoft.com/office/drawing/2010/main" val="0"/>
+                </a:ext>
+              </a:extLst>
+            </a:blip>
+            <a:srcRect/>
+            <a:stretch>
+              <a:fillRect/>
+            </a:stretch>
+          </p:blipFill>
+          <p:spPr bwMode="auto">
+            <a:xfrm>
+              <a:off x="4491380" y="6151343"/>
+              <a:ext cx="1038225" cy="676276"/>
+            </a:xfrm>
+            <a:prstGeom prst="rect">
+              <a:avLst/>
+            </a:prstGeom>
+            <a:noFill/>
+            <a:extLst>
+              <a:ext uri="{909E8E84-426E-40DD-AFC4-6F175D3DCCD1}">
+                <a14:hiddenFill xmlns:a14="http://schemas.microsoft.com/office/drawing/2010/main">
+                  <a:solidFill>
+                    <a:srgbClr val="FFFFFF"/>
+                  </a:solidFill>
+                </a14:hiddenFill>
+              </a:ext>
+            </a:extLst>
+          </p:spPr>
+        </p:pic>
+        <p:pic>
+          <p:nvPicPr>
+            <p:cNvPr id="12" name="Picture 16" descr="https://www.unos.org/wp-content/uploads/unos/icon-unet.png?b2d5de"/>
+            <p:cNvPicPr>
+              <a:picLocks noChangeAspect="1" noChangeArrowheads="1"/>
+            </p:cNvPicPr>
+            <p:nvPr/>
+          </p:nvPicPr>
+          <p:blipFill rotWithShape="1">
+            <a:blip r:embed="rId8">
+              <a:duotone>
+                <a:schemeClr val="accent1">
+                  <a:shade val="45000"/>
+                  <a:satMod val="135000"/>
+                </a:schemeClr>
+                <a:prstClr val="white"/>
+              </a:duotone>
+              <a:extLst>
+                <a:ext uri="{28A0092B-C50C-407E-A947-70E740481C1C}">
+                  <a14:useLocalDpi xmlns:a14="http://schemas.microsoft.com/office/drawing/2010/main" val="0"/>
+                </a:ext>
+              </a:extLst>
+            </a:blip>
+            <a:srcRect b="15392"/>
+            <a:stretch/>
+          </p:blipFill>
+          <p:spPr bwMode="auto">
+            <a:xfrm>
+              <a:off x="5389656" y="6203388"/>
+              <a:ext cx="1038225" cy="572186"/>
+            </a:xfrm>
+            <a:prstGeom prst="rect">
+              <a:avLst/>
+            </a:prstGeom>
+            <a:noFill/>
+            <a:extLst>
+              <a:ext uri="{909E8E84-426E-40DD-AFC4-6F175D3DCCD1}">
+                <a14:hiddenFill xmlns:a14="http://schemas.microsoft.com/office/drawing/2010/main">
+                  <a:solidFill>
+                    <a:srgbClr val="FFFFFF"/>
+                  </a:solidFill>
+                </a14:hiddenFill>
+              </a:ext>
+            </a:extLst>
+          </p:spPr>
+        </p:pic>
+        <p:pic>
+          <p:nvPicPr>
+            <p:cNvPr id="13" name="Picture 18" descr="https://www.unos.org/wp-content/uploads/unos/icon-organplacement.png?b2d5de"/>
+            <p:cNvPicPr>
+              <a:picLocks noChangeAspect="1" noChangeArrowheads="1"/>
+            </p:cNvPicPr>
+            <p:nvPr/>
+          </p:nvPicPr>
+          <p:blipFill rotWithShape="1">
+            <a:blip r:embed="rId9">
+              <a:duotone>
+                <a:schemeClr val="accent1">
+                  <a:shade val="45000"/>
+                  <a:satMod val="135000"/>
+                </a:schemeClr>
+                <a:prstClr val="white"/>
+              </a:duotone>
+              <a:extLst>
+                <a:ext uri="{28A0092B-C50C-407E-A947-70E740481C1C}">
+                  <a14:useLocalDpi xmlns:a14="http://schemas.microsoft.com/office/drawing/2010/main" val="0"/>
+                </a:ext>
+              </a:extLst>
+            </a:blip>
+            <a:srcRect b="13403"/>
+            <a:stretch/>
+          </p:blipFill>
+          <p:spPr bwMode="auto">
+            <a:xfrm>
+              <a:off x="6287932" y="6196665"/>
+              <a:ext cx="1038225" cy="585633"/>
+            </a:xfrm>
+            <a:prstGeom prst="rect">
+              <a:avLst/>
+            </a:prstGeom>
+            <a:noFill/>
+            <a:extLst>
+              <a:ext uri="{909E8E84-426E-40DD-AFC4-6F175D3DCCD1}">
+                <a14:hiddenFill xmlns:a14="http://schemas.microsoft.com/office/drawing/2010/main">
+                  <a:solidFill>
+                    <a:srgbClr val="FFFFFF"/>
+                  </a:solidFill>
+                </a14:hiddenFill>
+              </a:ext>
+            </a:extLst>
+          </p:spPr>
+        </p:pic>
+        <p:pic>
+          <p:nvPicPr>
+            <p:cNvPr id="14" name="Picture 20" descr="https://www.unos.org/wp-content/uploads/unos/icon2.png?b2d5de"/>
+            <p:cNvPicPr>
+              <a:picLocks noChangeAspect="1" noChangeArrowheads="1"/>
+            </p:cNvPicPr>
+            <p:nvPr/>
+          </p:nvPicPr>
+          <p:blipFill rotWithShape="1">
+            <a:blip r:embed="rId10">
+              <a:duotone>
+                <a:schemeClr val="accent1">
+                  <a:shade val="45000"/>
+                  <a:satMod val="135000"/>
+                </a:schemeClr>
+                <a:prstClr val="white"/>
+              </a:duotone>
+              <a:extLst>
+                <a:ext uri="{28A0092B-C50C-407E-A947-70E740481C1C}">
+                  <a14:useLocalDpi xmlns:a14="http://schemas.microsoft.com/office/drawing/2010/main" val="0"/>
+                </a:ext>
+              </a:extLst>
+            </a:blip>
+            <a:srcRect b="9427"/>
+            <a:stretch/>
+          </p:blipFill>
+          <p:spPr bwMode="auto">
+            <a:xfrm>
+              <a:off x="7186208" y="6183217"/>
+              <a:ext cx="1038225" cy="612528"/>
+            </a:xfrm>
+            <a:prstGeom prst="rect">
+              <a:avLst/>
+            </a:prstGeom>
+            <a:noFill/>
+            <a:extLst>
+              <a:ext uri="{909E8E84-426E-40DD-AFC4-6F175D3DCCD1}">
+                <a14:hiddenFill xmlns:a14="http://schemas.microsoft.com/office/drawing/2010/main">
+                  <a:solidFill>
+                    <a:srgbClr val="FFFFFF"/>
+                  </a:solidFill>
+                </a14:hiddenFill>
+              </a:ext>
+            </a:extLst>
+          </p:spPr>
+        </p:pic>
+        <p:pic>
+          <p:nvPicPr>
+            <p:cNvPr id="15" name="Picture 22" descr="https://www.unos.org/wp-content/uploads/unos/icon1.png?b2d5de"/>
+            <p:cNvPicPr>
+              <a:picLocks noChangeAspect="1" noChangeArrowheads="1"/>
+            </p:cNvPicPr>
+            <p:nvPr/>
+          </p:nvPicPr>
+          <p:blipFill>
+            <a:blip r:embed="rId11">
+              <a:duotone>
+                <a:schemeClr val="accent1">
+                  <a:shade val="45000"/>
+                  <a:satMod val="135000"/>
+                </a:schemeClr>
+                <a:prstClr val="white"/>
+              </a:duotone>
+              <a:extLst>
+                <a:ext uri="{28A0092B-C50C-407E-A947-70E740481C1C}">
+                  <a14:useLocalDpi xmlns:a14="http://schemas.microsoft.com/office/drawing/2010/main" val="0"/>
+                </a:ext>
+              </a:extLst>
+            </a:blip>
+            <a:srcRect/>
+            <a:stretch>
+              <a:fillRect/>
+            </a:stretch>
+          </p:blipFill>
+          <p:spPr bwMode="auto">
+            <a:xfrm>
+              <a:off x="8084484" y="6151343"/>
+              <a:ext cx="1038225" cy="676276"/>
+            </a:xfrm>
+            <a:prstGeom prst="rect">
+              <a:avLst/>
+            </a:prstGeom>
+            <a:noFill/>
+            <a:extLst>
+              <a:ext uri="{909E8E84-426E-40DD-AFC4-6F175D3DCCD1}">
+                <a14:hiddenFill xmlns:a14="http://schemas.microsoft.com/office/drawing/2010/main">
+                  <a:solidFill>
+                    <a:srgbClr val="FFFFFF"/>
+                  </a:solidFill>
+                </a14:hiddenFill>
+              </a:ext>
+            </a:extLst>
+          </p:spPr>
+        </p:pic>
+      </p:grpSp>
     </p:spTree>
     <p:extLst>
       <p:ext uri="{BB962C8B-B14F-4D97-AF65-F5344CB8AC3E}">
@@ -31546,12 +32029,226 @@
           <a:p>
             <a:r>
               <a:rPr lang="en-US" dirty="0" smtClean="0"/>
-              <a:t>Model Description (Demo)</a:t>
+              <a:t>Model Description</a:t>
             </a:r>
             <a:endParaRPr lang="en-US" dirty="0"/>
           </a:p>
         </p:txBody>
       </p:sp>
+      <mc:AlternateContent xmlns:mc="http://schemas.openxmlformats.org/markup-compatibility/2006">
+        <mc:Choice xmlns:a14="http://schemas.microsoft.com/office/drawing/2010/main" Requires="a14">
+          <p:sp>
+            <p:nvSpPr>
+              <p:cNvPr id="3" name="Content Placeholder 2"/>
+              <p:cNvSpPr>
+                <a:spLocks noGrp="1"/>
+              </p:cNvSpPr>
+              <p:nvPr>
+                <p:ph idx="1"/>
+              </p:nvPr>
+            </p:nvSpPr>
+            <p:spPr/>
+            <p:txBody>
+              <a:bodyPr>
+                <a:normAutofit lnSpcReduction="10000"/>
+              </a:bodyPr>
+              <a:lstStyle/>
+              <a:p>
+                <a:r>
+                  <a:rPr lang="en-US" dirty="0" smtClean="0"/>
+                  <a:t>Model Step:</a:t>
+                </a:r>
+              </a:p>
+              <a:p>
+                <a:pPr lvl="1"/>
+                <a:r>
+                  <a:rPr lang="en-US" dirty="0" smtClean="0"/>
+                  <a:t>Data collection</a:t>
+                </a:r>
+              </a:p>
+              <a:p>
+                <a:pPr lvl="1"/>
+                <a:r>
+                  <a:rPr lang="en-US" dirty="0" smtClean="0"/>
+                  <a:t>Select top patients for transplant on each queue</a:t>
+                </a:r>
+              </a:p>
+              <a:p>
+                <a:pPr lvl="2"/>
+                <a:r>
+                  <a:rPr lang="en-US" dirty="0" smtClean="0"/>
+                  <a:t>Mark patients as selected</a:t>
+                </a:r>
+              </a:p>
+              <a:p>
+                <a:pPr lvl="1"/>
+                <a:r>
+                  <a:rPr lang="en-US" dirty="0" smtClean="0"/>
+                  <a:t>Add new patients to the model</a:t>
+                </a:r>
+              </a:p>
+              <a:p>
+                <a:endParaRPr lang="en-US" dirty="0"/>
+              </a:p>
+              <a:p>
+                <a:r>
+                  <a:rPr lang="en-US" dirty="0" smtClean="0"/>
+                  <a:t>Patient Steps:</a:t>
+                </a:r>
+              </a:p>
+              <a:p>
+                <a:pPr lvl="1"/>
+                <a14:m>
+                  <m:oMath xmlns:m="http://schemas.openxmlformats.org/officeDocument/2006/math">
+                    <m:sSub>
+                      <m:sSubPr>
+                        <m:ctrlPr>
+                          <a:rPr lang="en-US" b="0" i="1" dirty="0" smtClean="0">
+                            <a:latin typeface="Cambria Math" panose="02040503050406030204" pitchFamily="18" charset="0"/>
+                          </a:rPr>
+                        </m:ctrlPr>
+                      </m:sSubPr>
+                      <m:e>
+                        <m:r>
+                          <a:rPr lang="en-US" i="1" dirty="0" smtClean="0">
+                            <a:latin typeface="Cambria Math" panose="02040503050406030204" pitchFamily="18" charset="0"/>
+                          </a:rPr>
+                          <m:t>𝑇</m:t>
+                        </m:r>
+                      </m:e>
+                      <m:sub>
+                        <m:r>
+                          <a:rPr lang="en-US" i="1" dirty="0" smtClean="0">
+                            <a:latin typeface="Cambria Math" panose="02040503050406030204" pitchFamily="18" charset="0"/>
+                          </a:rPr>
+                          <m:t>𝑤𝑎𝑖𝑡𝑖𝑛𝑔</m:t>
+                        </m:r>
+                      </m:sub>
+                    </m:sSub>
+                  </m:oMath>
+                </a14:m>
+                <a:r>
+                  <a:rPr lang="en-US" dirty="0" smtClean="0"/>
+                  <a:t> ++</a:t>
+                </a:r>
+              </a:p>
+              <a:p>
+                <a:pPr lvl="1"/>
+                <a:r>
+                  <a:rPr lang="en-US" dirty="0" smtClean="0"/>
+                  <a:t>If </a:t>
+                </a:r>
+                <a:r>
+                  <a:rPr lang="en-US" b="1" dirty="0" smtClean="0">
+                    <a:solidFill>
+                      <a:srgbClr val="00B0F0"/>
+                    </a:solidFill>
+                  </a:rPr>
+                  <a:t>Selected</a:t>
+                </a:r>
+                <a:r>
+                  <a:rPr lang="en-US" dirty="0" smtClean="0"/>
+                  <a:t> -&gt; </a:t>
+                </a:r>
+                <a:r>
+                  <a:rPr lang="en-US" b="1" dirty="0" smtClean="0">
+                    <a:solidFill>
+                      <a:srgbClr val="00B0F0"/>
+                    </a:solidFill>
+                  </a:rPr>
+                  <a:t>Transplanted</a:t>
+                </a:r>
+              </a:p>
+              <a:p>
+                <a:pPr lvl="1"/>
+                <a:r>
+                  <a:rPr lang="en-US" dirty="0" smtClean="0"/>
+                  <a:t>If </a:t>
+                </a:r>
+                <a:r>
+                  <a:rPr lang="en-US" b="1" dirty="0" smtClean="0">
+                    <a:solidFill>
+                      <a:srgbClr val="00B0F0"/>
+                    </a:solidFill>
+                  </a:rPr>
+                  <a:t>Waiting</a:t>
+                </a:r>
+                <a:r>
+                  <a:rPr lang="en-US" dirty="0" smtClean="0"/>
+                  <a:t> &amp;&amp; </a:t>
+                </a:r>
+                <a14:m>
+                  <m:oMath xmlns:m="http://schemas.openxmlformats.org/officeDocument/2006/math">
+                    <m:sSub>
+                      <m:sSubPr>
+                        <m:ctrlPr>
+                          <a:rPr lang="en-US" i="1" dirty="0">
+                            <a:latin typeface="Cambria Math" panose="02040503050406030204" pitchFamily="18" charset="0"/>
+                          </a:rPr>
+                        </m:ctrlPr>
+                      </m:sSubPr>
+                      <m:e>
+                        <m:r>
+                          <a:rPr lang="en-US" i="1" dirty="0">
+                            <a:latin typeface="Cambria Math" panose="02040503050406030204" pitchFamily="18" charset="0"/>
+                          </a:rPr>
+                          <m:t>𝑇</m:t>
+                        </m:r>
+                      </m:e>
+                      <m:sub>
+                        <m:r>
+                          <a:rPr lang="en-US" i="1" dirty="0">
+                            <a:latin typeface="Cambria Math" panose="02040503050406030204" pitchFamily="18" charset="0"/>
+                          </a:rPr>
+                          <m:t>𝑤𝑎𝑖𝑡𝑖𝑛𝑔</m:t>
+                        </m:r>
+                      </m:sub>
+                    </m:sSub>
+                  </m:oMath>
+                </a14:m>
+                <a:r>
+                  <a:rPr lang="en-US" dirty="0" smtClean="0"/>
+                  <a:t> &gt; lifespan </a:t>
+                </a:r>
+                <a:endParaRPr lang="en-US" dirty="0"/>
+              </a:p>
+            </p:txBody>
+          </p:sp>
+        </mc:Choice>
+        <mc:Fallback>
+          <p:sp>
+            <p:nvSpPr>
+              <p:cNvPr id="3" name="Content Placeholder 2"/>
+              <p:cNvSpPr>
+                <a:spLocks noGrp="1" noRot="1" noChangeAspect="1" noMove="1" noResize="1" noEditPoints="1" noAdjustHandles="1" noChangeArrowheads="1" noChangeShapeType="1" noTextEdit="1"/>
+              </p:cNvSpPr>
+              <p:nvPr>
+                <p:ph idx="1"/>
+              </p:nvPr>
+            </p:nvSpPr>
+            <p:spPr>
+              <a:blipFill rotWithShape="0">
+                <a:blip r:embed="rId2"/>
+                <a:stretch>
+                  <a:fillRect/>
+                </a:stretch>
+              </a:blipFill>
+            </p:spPr>
+            <p:txBody>
+              <a:bodyPr/>
+              <a:lstStyle/>
+              <a:p>
+                <a:r>
+                  <a:rPr lang="en-US">
+                    <a:noFill/>
+                  </a:rPr>
+                  <a:t> </a:t>
+                </a:r>
+              </a:p>
+            </p:txBody>
+          </p:sp>
+        </mc:Fallback>
+      </mc:AlternateContent>
       <p:sp>
         <p:nvSpPr>
           <p:cNvPr id="4" name="Slide Number Placeholder 3"/>
@@ -31578,7 +32275,7 @@
     </p:spTree>
     <p:extLst>
       <p:ext uri="{BB962C8B-B14F-4D97-AF65-F5344CB8AC3E}">
-        <p14:creationId xmlns:p14="http://schemas.microsoft.com/office/powerpoint/2010/main" val="2236991537"/>
+        <p14:creationId xmlns:p14="http://schemas.microsoft.com/office/powerpoint/2010/main" val="702992865"/>
       </p:ext>
     </p:extLst>
   </p:cSld>
@@ -31622,36 +32319,7 @@
           <a:p>
             <a:r>
               <a:rPr lang="en-US" dirty="0" smtClean="0"/>
-              <a:t>Verification and Validation</a:t>
-            </a:r>
-            <a:endParaRPr lang="en-US" dirty="0"/>
-          </a:p>
-        </p:txBody>
-      </p:sp>
-      <p:sp>
-        <p:nvSpPr>
-          <p:cNvPr id="3" name="Content Placeholder 2"/>
-          <p:cNvSpPr>
-            <a:spLocks noGrp="1"/>
-          </p:cNvSpPr>
-          <p:nvPr>
-            <p:ph idx="1"/>
-          </p:nvPr>
-        </p:nvSpPr>
-        <p:spPr/>
-        <p:txBody>
-          <a:bodyPr/>
-          <a:lstStyle/>
-          <a:p>
-            <a:r>
-              <a:rPr lang="en-US" dirty="0" smtClean="0"/>
-              <a:t>Checked model outputs in small batches and for trial runs</a:t>
-            </a:r>
-          </a:p>
-          <a:p>
-            <a:r>
-              <a:rPr lang="en-US" dirty="0" smtClean="0"/>
-              <a:t>Compared to actual data and data available from the OPTN website</a:t>
+              <a:t>Model Description (Demo)</a:t>
             </a:r>
             <a:endParaRPr lang="en-US" dirty="0"/>
           </a:p>
@@ -31683,7 +32351,7 @@
     </p:spTree>
     <p:extLst>
       <p:ext uri="{BB962C8B-B14F-4D97-AF65-F5344CB8AC3E}">
-        <p14:creationId xmlns:p14="http://schemas.microsoft.com/office/powerpoint/2010/main" val="2117008470"/>
+        <p14:creationId xmlns:p14="http://schemas.microsoft.com/office/powerpoint/2010/main" val="2236991537"/>
       </p:ext>
     </p:extLst>
   </p:cSld>
@@ -31727,7 +32395,7 @@
           <a:p>
             <a:r>
               <a:rPr lang="en-US" dirty="0" smtClean="0"/>
-              <a:t>Results</a:t>
+              <a:t>Verification and Validation</a:t>
             </a:r>
             <a:endParaRPr lang="en-US" dirty="0"/>
           </a:p>
@@ -31750,56 +32418,13 @@
           <a:p>
             <a:r>
               <a:rPr lang="en-US" dirty="0" smtClean="0"/>
-              <a:t>For test runs, the model was run with data representing four Donor Service Areas:</a:t>
-            </a:r>
-          </a:p>
-          <a:p>
-            <a:pPr lvl="1"/>
+              <a:t>Checked model outputs in small batches and for trial runs</a:t>
+            </a:r>
+          </a:p>
+          <a:p>
             <a:r>
               <a:rPr lang="en-US" dirty="0" smtClean="0"/>
-              <a:t>CAOP-OP1 </a:t>
-            </a:r>
-            <a:r>
-              <a:rPr lang="en-US" dirty="0" err="1"/>
-              <a:t>OneLegacy</a:t>
-            </a:r>
-            <a:endParaRPr lang="en-US" dirty="0"/>
-          </a:p>
-          <a:p>
-            <a:pPr lvl="1"/>
-            <a:r>
-              <a:rPr lang="en-US" dirty="0" smtClean="0"/>
-              <a:t>ILIP-OP1 </a:t>
-            </a:r>
-            <a:r>
-              <a:rPr lang="en-US" dirty="0"/>
-              <a:t>Gift of Hope</a:t>
-            </a:r>
-          </a:p>
-          <a:p>
-            <a:pPr lvl="1"/>
-            <a:r>
-              <a:rPr lang="en-US" dirty="0" smtClean="0"/>
-              <a:t>INOP-OP1 </a:t>
-            </a:r>
-            <a:r>
-              <a:rPr lang="en-US" dirty="0"/>
-              <a:t>Indiana Donor Network</a:t>
-            </a:r>
-          </a:p>
-          <a:p>
-            <a:pPr lvl="1"/>
-            <a:r>
-              <a:rPr lang="en-US" dirty="0" smtClean="0"/>
-              <a:t>MNOP-OP1 </a:t>
-            </a:r>
-            <a:r>
-              <a:rPr lang="en-US" dirty="0" err="1"/>
-              <a:t>LifeSource</a:t>
-            </a:r>
-            <a:r>
-              <a:rPr lang="en-US" dirty="0"/>
-              <a:t> Upper Midwest OPO</a:t>
+              <a:t>Compared to actual data and data available from the OPTN website</a:t>
             </a:r>
             <a:endParaRPr lang="en-US" dirty="0"/>
           </a:p>
@@ -31828,10 +32453,497 @@
           </a:p>
         </p:txBody>
       </p:sp>
+      <p:grpSp>
+        <p:nvGrpSpPr>
+          <p:cNvPr id="5" name="Group 4"/>
+          <p:cNvGrpSpPr/>
+          <p:nvPr/>
+        </p:nvGrpSpPr>
+        <p:grpSpPr>
+          <a:xfrm>
+            <a:off x="0" y="6164222"/>
+            <a:ext cx="9122709" cy="676276"/>
+            <a:chOff x="0" y="6151343"/>
+            <a:chExt cx="9122709" cy="676276"/>
+          </a:xfrm>
+        </p:grpSpPr>
+        <p:pic>
+          <p:nvPicPr>
+            <p:cNvPr id="6" name="Picture 4" descr="https://www.unos.org/wp-content/uploads/unos/icon-ambulance.png?b2d5de"/>
+            <p:cNvPicPr>
+              <a:picLocks noChangeAspect="1" noChangeArrowheads="1"/>
+            </p:cNvPicPr>
+            <p:nvPr/>
+          </p:nvPicPr>
+          <p:blipFill>
+            <a:blip r:embed="rId2">
+              <a:duotone>
+                <a:schemeClr val="accent1">
+                  <a:shade val="45000"/>
+                  <a:satMod val="135000"/>
+                </a:schemeClr>
+                <a:prstClr val="white"/>
+              </a:duotone>
+              <a:extLst>
+                <a:ext uri="{28A0092B-C50C-407E-A947-70E740481C1C}">
+                  <a14:useLocalDpi xmlns:a14="http://schemas.microsoft.com/office/drawing/2010/main" val="0"/>
+                </a:ext>
+              </a:extLst>
+            </a:blip>
+            <a:srcRect/>
+            <a:stretch>
+              <a:fillRect/>
+            </a:stretch>
+          </p:blipFill>
+          <p:spPr bwMode="auto">
+            <a:xfrm>
+              <a:off x="0" y="6151343"/>
+              <a:ext cx="1038225" cy="676276"/>
+            </a:xfrm>
+            <a:prstGeom prst="rect">
+              <a:avLst/>
+            </a:prstGeom>
+            <a:noFill/>
+            <a:extLst>
+              <a:ext uri="{909E8E84-426E-40DD-AFC4-6F175D3DCCD1}">
+                <a14:hiddenFill xmlns:a14="http://schemas.microsoft.com/office/drawing/2010/main">
+                  <a:solidFill>
+                    <a:srgbClr val="FFFFFF"/>
+                  </a:solidFill>
+                </a14:hiddenFill>
+              </a:ext>
+            </a:extLst>
+          </p:spPr>
+        </p:pic>
+        <p:pic>
+          <p:nvPicPr>
+            <p:cNvPr id="7" name="Picture 6" descr="https://www.unos.org/wp-content/uploads/unos/icon-medical.png?b2d5de"/>
+            <p:cNvPicPr>
+              <a:picLocks noChangeAspect="1" noChangeArrowheads="1"/>
+            </p:cNvPicPr>
+            <p:nvPr/>
+          </p:nvPicPr>
+          <p:blipFill>
+            <a:blip r:embed="rId3">
+              <a:duotone>
+                <a:schemeClr val="accent1">
+                  <a:shade val="45000"/>
+                  <a:satMod val="135000"/>
+                </a:schemeClr>
+                <a:prstClr val="white"/>
+              </a:duotone>
+              <a:extLst>
+                <a:ext uri="{28A0092B-C50C-407E-A947-70E740481C1C}">
+                  <a14:useLocalDpi xmlns:a14="http://schemas.microsoft.com/office/drawing/2010/main" val="0"/>
+                </a:ext>
+              </a:extLst>
+            </a:blip>
+            <a:srcRect/>
+            <a:stretch>
+              <a:fillRect/>
+            </a:stretch>
+          </p:blipFill>
+          <p:spPr bwMode="auto">
+            <a:xfrm>
+              <a:off x="898276" y="6151343"/>
+              <a:ext cx="1038225" cy="676276"/>
+            </a:xfrm>
+            <a:prstGeom prst="rect">
+              <a:avLst/>
+            </a:prstGeom>
+            <a:noFill/>
+            <a:extLst>
+              <a:ext uri="{909E8E84-426E-40DD-AFC4-6F175D3DCCD1}">
+                <a14:hiddenFill xmlns:a14="http://schemas.microsoft.com/office/drawing/2010/main">
+                  <a:solidFill>
+                    <a:srgbClr val="FFFFFF"/>
+                  </a:solidFill>
+                </a14:hiddenFill>
+              </a:ext>
+            </a:extLst>
+          </p:spPr>
+        </p:pic>
+        <p:pic>
+          <p:nvPicPr>
+            <p:cNvPr id="8" name="Picture 8" descr="https://www.unos.org/wp-content/uploads/unos/icon-heart1.png?b2d5de"/>
+            <p:cNvPicPr>
+              <a:picLocks noChangeAspect="1" noChangeArrowheads="1"/>
+            </p:cNvPicPr>
+            <p:nvPr/>
+          </p:nvPicPr>
+          <p:blipFill rotWithShape="1">
+            <a:blip r:embed="rId4">
+              <a:duotone>
+                <a:schemeClr val="accent1">
+                  <a:shade val="45000"/>
+                  <a:satMod val="135000"/>
+                </a:schemeClr>
+                <a:prstClr val="white"/>
+              </a:duotone>
+              <a:extLst>
+                <a:ext uri="{28A0092B-C50C-407E-A947-70E740481C1C}">
+                  <a14:useLocalDpi xmlns:a14="http://schemas.microsoft.com/office/drawing/2010/main" val="0"/>
+                </a:ext>
+              </a:extLst>
+            </a:blip>
+            <a:srcRect b="15392"/>
+            <a:stretch/>
+          </p:blipFill>
+          <p:spPr bwMode="auto">
+            <a:xfrm>
+              <a:off x="1796552" y="6203388"/>
+              <a:ext cx="1038225" cy="572186"/>
+            </a:xfrm>
+            <a:prstGeom prst="rect">
+              <a:avLst/>
+            </a:prstGeom>
+            <a:noFill/>
+            <a:extLst>
+              <a:ext uri="{909E8E84-426E-40DD-AFC4-6F175D3DCCD1}">
+                <a14:hiddenFill xmlns:a14="http://schemas.microsoft.com/office/drawing/2010/main">
+                  <a:solidFill>
+                    <a:srgbClr val="FFFFFF"/>
+                  </a:solidFill>
+                </a14:hiddenFill>
+              </a:ext>
+            </a:extLst>
+          </p:spPr>
+        </p:pic>
+        <p:pic>
+          <p:nvPicPr>
+            <p:cNvPr id="9" name="Picture 10" descr="https://www.unos.org/wp-content/uploads/unos/icon-clock2.png?b2d5de"/>
+            <p:cNvPicPr>
+              <a:picLocks noChangeAspect="1" noChangeArrowheads="1"/>
+            </p:cNvPicPr>
+            <p:nvPr/>
+          </p:nvPicPr>
+          <p:blipFill>
+            <a:blip r:embed="rId5">
+              <a:duotone>
+                <a:schemeClr val="accent1">
+                  <a:shade val="45000"/>
+                  <a:satMod val="135000"/>
+                </a:schemeClr>
+                <a:prstClr val="white"/>
+              </a:duotone>
+              <a:extLst>
+                <a:ext uri="{28A0092B-C50C-407E-A947-70E740481C1C}">
+                  <a14:useLocalDpi xmlns:a14="http://schemas.microsoft.com/office/drawing/2010/main" val="0"/>
+                </a:ext>
+              </a:extLst>
+            </a:blip>
+            <a:srcRect/>
+            <a:stretch>
+              <a:fillRect/>
+            </a:stretch>
+          </p:blipFill>
+          <p:spPr bwMode="auto">
+            <a:xfrm>
+              <a:off x="2694828" y="6151343"/>
+              <a:ext cx="1038225" cy="676276"/>
+            </a:xfrm>
+            <a:prstGeom prst="rect">
+              <a:avLst/>
+            </a:prstGeom>
+            <a:noFill/>
+            <a:extLst>
+              <a:ext uri="{909E8E84-426E-40DD-AFC4-6F175D3DCCD1}">
+                <a14:hiddenFill xmlns:a14="http://schemas.microsoft.com/office/drawing/2010/main">
+                  <a:solidFill>
+                    <a:srgbClr val="FFFFFF"/>
+                  </a:solidFill>
+                </a14:hiddenFill>
+              </a:ext>
+            </a:extLst>
+          </p:spPr>
+        </p:pic>
+        <p:pic>
+          <p:nvPicPr>
+            <p:cNvPr id="10" name="Picture 12" descr="https://www.unos.org/wp-content/uploads/unos/icon-checklist.png?b2d5de"/>
+            <p:cNvPicPr>
+              <a:picLocks noChangeAspect="1" noChangeArrowheads="1"/>
+            </p:cNvPicPr>
+            <p:nvPr/>
+          </p:nvPicPr>
+          <p:blipFill>
+            <a:blip r:embed="rId6">
+              <a:duotone>
+                <a:schemeClr val="accent1">
+                  <a:shade val="45000"/>
+                  <a:satMod val="135000"/>
+                </a:schemeClr>
+                <a:prstClr val="white"/>
+              </a:duotone>
+              <a:extLst>
+                <a:ext uri="{28A0092B-C50C-407E-A947-70E740481C1C}">
+                  <a14:useLocalDpi xmlns:a14="http://schemas.microsoft.com/office/drawing/2010/main" val="0"/>
+                </a:ext>
+              </a:extLst>
+            </a:blip>
+            <a:srcRect/>
+            <a:stretch>
+              <a:fillRect/>
+            </a:stretch>
+          </p:blipFill>
+          <p:spPr bwMode="auto">
+            <a:xfrm>
+              <a:off x="3593104" y="6151343"/>
+              <a:ext cx="1038225" cy="676276"/>
+            </a:xfrm>
+            <a:prstGeom prst="rect">
+              <a:avLst/>
+            </a:prstGeom>
+            <a:noFill/>
+            <a:extLst>
+              <a:ext uri="{909E8E84-426E-40DD-AFC4-6F175D3DCCD1}">
+                <a14:hiddenFill xmlns:a14="http://schemas.microsoft.com/office/drawing/2010/main">
+                  <a:solidFill>
+                    <a:srgbClr val="FFFFFF"/>
+                  </a:solidFill>
+                </a14:hiddenFill>
+              </a:ext>
+            </a:extLst>
+          </p:spPr>
+        </p:pic>
+        <p:pic>
+          <p:nvPicPr>
+            <p:cNvPr id="11" name="Picture 14" descr="https://www.unos.org/wp-content/uploads/unos/icon-consent.png?b2d5de"/>
+            <p:cNvPicPr>
+              <a:picLocks noChangeAspect="1" noChangeArrowheads="1"/>
+            </p:cNvPicPr>
+            <p:nvPr/>
+          </p:nvPicPr>
+          <p:blipFill>
+            <a:blip r:embed="rId7">
+              <a:duotone>
+                <a:schemeClr val="accent1">
+                  <a:shade val="45000"/>
+                  <a:satMod val="135000"/>
+                </a:schemeClr>
+                <a:prstClr val="white"/>
+              </a:duotone>
+              <a:extLst>
+                <a:ext uri="{28A0092B-C50C-407E-A947-70E740481C1C}">
+                  <a14:useLocalDpi xmlns:a14="http://schemas.microsoft.com/office/drawing/2010/main" val="0"/>
+                </a:ext>
+              </a:extLst>
+            </a:blip>
+            <a:srcRect/>
+            <a:stretch>
+              <a:fillRect/>
+            </a:stretch>
+          </p:blipFill>
+          <p:spPr bwMode="auto">
+            <a:xfrm>
+              <a:off x="4491380" y="6151343"/>
+              <a:ext cx="1038225" cy="676276"/>
+            </a:xfrm>
+            <a:prstGeom prst="rect">
+              <a:avLst/>
+            </a:prstGeom>
+            <a:noFill/>
+            <a:extLst>
+              <a:ext uri="{909E8E84-426E-40DD-AFC4-6F175D3DCCD1}">
+                <a14:hiddenFill xmlns:a14="http://schemas.microsoft.com/office/drawing/2010/main">
+                  <a:solidFill>
+                    <a:srgbClr val="FFFFFF"/>
+                  </a:solidFill>
+                </a14:hiddenFill>
+              </a:ext>
+            </a:extLst>
+          </p:spPr>
+        </p:pic>
+        <p:pic>
+          <p:nvPicPr>
+            <p:cNvPr id="12" name="Picture 16" descr="https://www.unos.org/wp-content/uploads/unos/icon-unet.png?b2d5de"/>
+            <p:cNvPicPr>
+              <a:picLocks noChangeAspect="1" noChangeArrowheads="1"/>
+            </p:cNvPicPr>
+            <p:nvPr/>
+          </p:nvPicPr>
+          <p:blipFill rotWithShape="1">
+            <a:blip r:embed="rId8">
+              <a:duotone>
+                <a:schemeClr val="accent1">
+                  <a:shade val="45000"/>
+                  <a:satMod val="135000"/>
+                </a:schemeClr>
+                <a:prstClr val="white"/>
+              </a:duotone>
+              <a:extLst>
+                <a:ext uri="{28A0092B-C50C-407E-A947-70E740481C1C}">
+                  <a14:useLocalDpi xmlns:a14="http://schemas.microsoft.com/office/drawing/2010/main" val="0"/>
+                </a:ext>
+              </a:extLst>
+            </a:blip>
+            <a:srcRect b="15392"/>
+            <a:stretch/>
+          </p:blipFill>
+          <p:spPr bwMode="auto">
+            <a:xfrm>
+              <a:off x="5389656" y="6203388"/>
+              <a:ext cx="1038225" cy="572186"/>
+            </a:xfrm>
+            <a:prstGeom prst="rect">
+              <a:avLst/>
+            </a:prstGeom>
+            <a:noFill/>
+            <a:extLst>
+              <a:ext uri="{909E8E84-426E-40DD-AFC4-6F175D3DCCD1}">
+                <a14:hiddenFill xmlns:a14="http://schemas.microsoft.com/office/drawing/2010/main">
+                  <a:solidFill>
+                    <a:srgbClr val="FFFFFF"/>
+                  </a:solidFill>
+                </a14:hiddenFill>
+              </a:ext>
+            </a:extLst>
+          </p:spPr>
+        </p:pic>
+        <p:pic>
+          <p:nvPicPr>
+            <p:cNvPr id="13" name="Picture 18" descr="https://www.unos.org/wp-content/uploads/unos/icon-organplacement.png?b2d5de"/>
+            <p:cNvPicPr>
+              <a:picLocks noChangeAspect="1" noChangeArrowheads="1"/>
+            </p:cNvPicPr>
+            <p:nvPr/>
+          </p:nvPicPr>
+          <p:blipFill rotWithShape="1">
+            <a:blip r:embed="rId9">
+              <a:duotone>
+                <a:schemeClr val="accent1">
+                  <a:shade val="45000"/>
+                  <a:satMod val="135000"/>
+                </a:schemeClr>
+                <a:prstClr val="white"/>
+              </a:duotone>
+              <a:extLst>
+                <a:ext uri="{28A0092B-C50C-407E-A947-70E740481C1C}">
+                  <a14:useLocalDpi xmlns:a14="http://schemas.microsoft.com/office/drawing/2010/main" val="0"/>
+                </a:ext>
+              </a:extLst>
+            </a:blip>
+            <a:srcRect b="13403"/>
+            <a:stretch/>
+          </p:blipFill>
+          <p:spPr bwMode="auto">
+            <a:xfrm>
+              <a:off x="6287932" y="6196665"/>
+              <a:ext cx="1038225" cy="585633"/>
+            </a:xfrm>
+            <a:prstGeom prst="rect">
+              <a:avLst/>
+            </a:prstGeom>
+            <a:noFill/>
+            <a:extLst>
+              <a:ext uri="{909E8E84-426E-40DD-AFC4-6F175D3DCCD1}">
+                <a14:hiddenFill xmlns:a14="http://schemas.microsoft.com/office/drawing/2010/main">
+                  <a:solidFill>
+                    <a:srgbClr val="FFFFFF"/>
+                  </a:solidFill>
+                </a14:hiddenFill>
+              </a:ext>
+            </a:extLst>
+          </p:spPr>
+        </p:pic>
+        <p:pic>
+          <p:nvPicPr>
+            <p:cNvPr id="14" name="Picture 20" descr="https://www.unos.org/wp-content/uploads/unos/icon2.png?b2d5de"/>
+            <p:cNvPicPr>
+              <a:picLocks noChangeAspect="1" noChangeArrowheads="1"/>
+            </p:cNvPicPr>
+            <p:nvPr/>
+          </p:nvPicPr>
+          <p:blipFill rotWithShape="1">
+            <a:blip r:embed="rId10">
+              <a:duotone>
+                <a:schemeClr val="accent1">
+                  <a:shade val="45000"/>
+                  <a:satMod val="135000"/>
+                </a:schemeClr>
+                <a:prstClr val="white"/>
+              </a:duotone>
+              <a:extLst>
+                <a:ext uri="{28A0092B-C50C-407E-A947-70E740481C1C}">
+                  <a14:useLocalDpi xmlns:a14="http://schemas.microsoft.com/office/drawing/2010/main" val="0"/>
+                </a:ext>
+              </a:extLst>
+            </a:blip>
+            <a:srcRect b="9427"/>
+            <a:stretch/>
+          </p:blipFill>
+          <p:spPr bwMode="auto">
+            <a:xfrm>
+              <a:off x="7186208" y="6183217"/>
+              <a:ext cx="1038225" cy="612528"/>
+            </a:xfrm>
+            <a:prstGeom prst="rect">
+              <a:avLst/>
+            </a:prstGeom>
+            <a:noFill/>
+            <a:extLst>
+              <a:ext uri="{909E8E84-426E-40DD-AFC4-6F175D3DCCD1}">
+                <a14:hiddenFill xmlns:a14="http://schemas.microsoft.com/office/drawing/2010/main">
+                  <a:solidFill>
+                    <a:srgbClr val="FFFFFF"/>
+                  </a:solidFill>
+                </a14:hiddenFill>
+              </a:ext>
+            </a:extLst>
+          </p:spPr>
+        </p:pic>
+        <p:pic>
+          <p:nvPicPr>
+            <p:cNvPr id="15" name="Picture 22" descr="https://www.unos.org/wp-content/uploads/unos/icon1.png?b2d5de"/>
+            <p:cNvPicPr>
+              <a:picLocks noChangeAspect="1" noChangeArrowheads="1"/>
+            </p:cNvPicPr>
+            <p:nvPr/>
+          </p:nvPicPr>
+          <p:blipFill>
+            <a:blip r:embed="rId11">
+              <a:duotone>
+                <a:schemeClr val="accent1">
+                  <a:shade val="45000"/>
+                  <a:satMod val="135000"/>
+                </a:schemeClr>
+                <a:prstClr val="white"/>
+              </a:duotone>
+              <a:extLst>
+                <a:ext uri="{28A0092B-C50C-407E-A947-70E740481C1C}">
+                  <a14:useLocalDpi xmlns:a14="http://schemas.microsoft.com/office/drawing/2010/main" val="0"/>
+                </a:ext>
+              </a:extLst>
+            </a:blip>
+            <a:srcRect/>
+            <a:stretch>
+              <a:fillRect/>
+            </a:stretch>
+          </p:blipFill>
+          <p:spPr bwMode="auto">
+            <a:xfrm>
+              <a:off x="8084484" y="6151343"/>
+              <a:ext cx="1038225" cy="676276"/>
+            </a:xfrm>
+            <a:prstGeom prst="rect">
+              <a:avLst/>
+            </a:prstGeom>
+            <a:noFill/>
+            <a:extLst>
+              <a:ext uri="{909E8E84-426E-40DD-AFC4-6F175D3DCCD1}">
+                <a14:hiddenFill xmlns:a14="http://schemas.microsoft.com/office/drawing/2010/main">
+                  <a:solidFill>
+                    <a:srgbClr val="FFFFFF"/>
+                  </a:solidFill>
+                </a14:hiddenFill>
+              </a:ext>
+            </a:extLst>
+          </p:spPr>
+        </p:pic>
+      </p:grpSp>
     </p:spTree>
     <p:extLst>
       <p:ext uri="{BB962C8B-B14F-4D97-AF65-F5344CB8AC3E}">
-        <p14:creationId xmlns:p14="http://schemas.microsoft.com/office/powerpoint/2010/main" val="207645607"/>
+        <p14:creationId xmlns:p14="http://schemas.microsoft.com/office/powerpoint/2010/main" val="2117008470"/>
       </p:ext>
     </p:extLst>
   </p:cSld>
@@ -31893,124 +33005,84 @@
         </p:nvSpPr>
         <p:spPr/>
         <p:txBody>
-          <a:bodyPr>
-            <a:normAutofit fontScale="92500" lnSpcReduction="10000"/>
-          </a:bodyPr>
+          <a:bodyPr/>
           <a:lstStyle/>
           <a:p>
             <a:r>
               <a:rPr lang="en-US" dirty="0" smtClean="0"/>
-              <a:t>Regions = 4</a:t>
-            </a:r>
-          </a:p>
-          <a:p>
+              <a:t>For test runs, the model was run with data representing four Donor Service </a:t>
+            </a:r>
+            <a:r>
+              <a:rPr lang="en-US" dirty="0" smtClean="0"/>
+              <a:t>Areas [2]:</a:t>
+            </a:r>
+            <a:endParaRPr lang="en-US" dirty="0" smtClean="0"/>
+          </a:p>
+          <a:p>
+            <a:pPr lvl="1"/>
+            <a:r>
+              <a:rPr lang="en-US" dirty="0" smtClean="0"/>
+              <a:t>CAOP-OP1 </a:t>
+            </a:r>
             <a:r>
               <a:rPr lang="en-US" dirty="0" err="1" smtClean="0"/>
-              <a:t>initial_patients</a:t>
+              <a:t>OneLegacy</a:t>
             </a:r>
             <a:r>
               <a:rPr lang="en-US" dirty="0" smtClean="0"/>
-              <a:t> </a:t>
+              <a:t> (California)</a:t>
+            </a:r>
+            <a:endParaRPr lang="en-US" dirty="0"/>
+          </a:p>
+          <a:p>
+            <a:pPr lvl="1"/>
+            <a:r>
+              <a:rPr lang="en-US" dirty="0" smtClean="0"/>
+              <a:t>ILIP-OP1 </a:t>
             </a:r>
             <a:r>
               <a:rPr lang="en-US" dirty="0"/>
-              <a:t>= </a:t>
+              <a:t>Gift of </a:t>
             </a:r>
             <a:r>
               <a:rPr lang="en-US" dirty="0" smtClean="0"/>
-              <a:t>16000</a:t>
-            </a:r>
-          </a:p>
-          <a:p>
-            <a:r>
-              <a:rPr lang="en-US" dirty="0" err="1" smtClean="0"/>
-              <a:t>additional_patients</a:t>
-            </a:r>
+              <a:t>Hope (Illinois)</a:t>
+            </a:r>
+            <a:endParaRPr lang="en-US" dirty="0"/>
+          </a:p>
+          <a:p>
+            <a:pPr lvl="1"/>
             <a:r>
               <a:rPr lang="en-US" dirty="0" smtClean="0"/>
-              <a:t> </a:t>
+              <a:t>INOP-OP1 </a:t>
             </a:r>
             <a:r>
               <a:rPr lang="en-US" dirty="0"/>
-              <a:t>= </a:t>
+              <a:t>Indiana Donor </a:t>
             </a:r>
             <a:r>
               <a:rPr lang="en-US" dirty="0" smtClean="0"/>
-              <a:t>2800</a:t>
-            </a:r>
-          </a:p>
-          <a:p>
-            <a:r>
-              <a:rPr lang="en-US" dirty="0" err="1" smtClean="0"/>
-              <a:t>transplant_rates</a:t>
-            </a:r>
+              <a:t>Network (Indiana)</a:t>
+            </a:r>
+            <a:endParaRPr lang="en-US" dirty="0"/>
+          </a:p>
+          <a:p>
+            <a:pPr lvl="1"/>
             <a:r>
               <a:rPr lang="en-US" dirty="0" smtClean="0"/>
-              <a:t> </a:t>
+              <a:t>MNOP-OP1 </a:t>
+            </a:r>
+            <a:r>
+              <a:rPr lang="en-US" dirty="0" err="1"/>
+              <a:t>LifeSource</a:t>
             </a:r>
             <a:r>
               <a:rPr lang="en-US" dirty="0"/>
-              <a:t>= [</a:t>
+              <a:t> Upper Midwest </a:t>
             </a:r>
             <a:r>
               <a:rPr lang="en-US" dirty="0" smtClean="0"/>
-              <a:t>610, 370, 188, 255]</a:t>
-            </a:r>
-            <a:endParaRPr lang="en-US" dirty="0"/>
-          </a:p>
-          <a:p>
-            <a:r>
-              <a:rPr lang="en-US" dirty="0" err="1" smtClean="0"/>
-              <a:t>queue_probabilities</a:t>
-            </a:r>
-            <a:r>
-              <a:rPr lang="en-US" dirty="0" smtClean="0"/>
-              <a:t> </a:t>
-            </a:r>
-            <a:r>
-              <a:rPr lang="en-US" dirty="0"/>
-              <a:t>= [0.42, 0.26, 0.11, 0.21]</a:t>
-            </a:r>
-          </a:p>
-          <a:p>
-            <a:r>
-              <a:rPr lang="en-US" dirty="0" err="1" smtClean="0"/>
-              <a:t>advantage_prob</a:t>
-            </a:r>
-            <a:r>
-              <a:rPr lang="en-US" dirty="0" smtClean="0"/>
-              <a:t> </a:t>
-            </a:r>
-            <a:r>
-              <a:rPr lang="en-US" dirty="0"/>
-              <a:t>= 0.05</a:t>
-            </a:r>
-          </a:p>
-          <a:p>
-            <a:r>
-              <a:rPr lang="en-US" dirty="0" err="1" smtClean="0"/>
-              <a:t>average_lifespan</a:t>
-            </a:r>
-            <a:r>
-              <a:rPr lang="en-US" dirty="0" smtClean="0"/>
-              <a:t> </a:t>
-            </a:r>
-            <a:r>
-              <a:rPr lang="en-US" dirty="0"/>
-              <a:t>= </a:t>
-            </a:r>
-            <a:r>
-              <a:rPr lang="en-US" dirty="0" smtClean="0"/>
-              <a:t>98</a:t>
-            </a:r>
-          </a:p>
-          <a:p>
-            <a:endParaRPr lang="en-US" dirty="0"/>
-          </a:p>
-          <a:p>
-            <a:r>
-              <a:rPr lang="en-US" dirty="0" smtClean="0"/>
-              <a:t>Based on a simple linear projection, expected to grow by ~6000 over 10 years</a:t>
+              <a:t>OPO (Minnesota)</a:t>
             </a:r>
             <a:endParaRPr lang="en-US" dirty="0"/>
           </a:p>
@@ -32039,10 +33111,497 @@
           </a:p>
         </p:txBody>
       </p:sp>
+      <p:grpSp>
+        <p:nvGrpSpPr>
+          <p:cNvPr id="5" name="Group 4"/>
+          <p:cNvGrpSpPr/>
+          <p:nvPr/>
+        </p:nvGrpSpPr>
+        <p:grpSpPr>
+          <a:xfrm>
+            <a:off x="0" y="6151343"/>
+            <a:ext cx="9122709" cy="676276"/>
+            <a:chOff x="0" y="6151343"/>
+            <a:chExt cx="9122709" cy="676276"/>
+          </a:xfrm>
+        </p:grpSpPr>
+        <p:pic>
+          <p:nvPicPr>
+            <p:cNvPr id="6" name="Picture 4" descr="https://www.unos.org/wp-content/uploads/unos/icon-ambulance.png?b2d5de"/>
+            <p:cNvPicPr>
+              <a:picLocks noChangeAspect="1" noChangeArrowheads="1"/>
+            </p:cNvPicPr>
+            <p:nvPr/>
+          </p:nvPicPr>
+          <p:blipFill>
+            <a:blip r:embed="rId2">
+              <a:duotone>
+                <a:schemeClr val="accent1">
+                  <a:shade val="45000"/>
+                  <a:satMod val="135000"/>
+                </a:schemeClr>
+                <a:prstClr val="white"/>
+              </a:duotone>
+              <a:extLst>
+                <a:ext uri="{28A0092B-C50C-407E-A947-70E740481C1C}">
+                  <a14:useLocalDpi xmlns:a14="http://schemas.microsoft.com/office/drawing/2010/main" val="0"/>
+                </a:ext>
+              </a:extLst>
+            </a:blip>
+            <a:srcRect/>
+            <a:stretch>
+              <a:fillRect/>
+            </a:stretch>
+          </p:blipFill>
+          <p:spPr bwMode="auto">
+            <a:xfrm>
+              <a:off x="0" y="6151343"/>
+              <a:ext cx="1038225" cy="676276"/>
+            </a:xfrm>
+            <a:prstGeom prst="rect">
+              <a:avLst/>
+            </a:prstGeom>
+            <a:noFill/>
+            <a:extLst>
+              <a:ext uri="{909E8E84-426E-40DD-AFC4-6F175D3DCCD1}">
+                <a14:hiddenFill xmlns:a14="http://schemas.microsoft.com/office/drawing/2010/main">
+                  <a:solidFill>
+                    <a:srgbClr val="FFFFFF"/>
+                  </a:solidFill>
+                </a14:hiddenFill>
+              </a:ext>
+            </a:extLst>
+          </p:spPr>
+        </p:pic>
+        <p:pic>
+          <p:nvPicPr>
+            <p:cNvPr id="7" name="Picture 6" descr="https://www.unos.org/wp-content/uploads/unos/icon-medical.png?b2d5de"/>
+            <p:cNvPicPr>
+              <a:picLocks noChangeAspect="1" noChangeArrowheads="1"/>
+            </p:cNvPicPr>
+            <p:nvPr/>
+          </p:nvPicPr>
+          <p:blipFill>
+            <a:blip r:embed="rId3">
+              <a:duotone>
+                <a:schemeClr val="accent1">
+                  <a:shade val="45000"/>
+                  <a:satMod val="135000"/>
+                </a:schemeClr>
+                <a:prstClr val="white"/>
+              </a:duotone>
+              <a:extLst>
+                <a:ext uri="{28A0092B-C50C-407E-A947-70E740481C1C}">
+                  <a14:useLocalDpi xmlns:a14="http://schemas.microsoft.com/office/drawing/2010/main" val="0"/>
+                </a:ext>
+              </a:extLst>
+            </a:blip>
+            <a:srcRect/>
+            <a:stretch>
+              <a:fillRect/>
+            </a:stretch>
+          </p:blipFill>
+          <p:spPr bwMode="auto">
+            <a:xfrm>
+              <a:off x="898276" y="6151343"/>
+              <a:ext cx="1038225" cy="676276"/>
+            </a:xfrm>
+            <a:prstGeom prst="rect">
+              <a:avLst/>
+            </a:prstGeom>
+            <a:noFill/>
+            <a:extLst>
+              <a:ext uri="{909E8E84-426E-40DD-AFC4-6F175D3DCCD1}">
+                <a14:hiddenFill xmlns:a14="http://schemas.microsoft.com/office/drawing/2010/main">
+                  <a:solidFill>
+                    <a:srgbClr val="FFFFFF"/>
+                  </a:solidFill>
+                </a14:hiddenFill>
+              </a:ext>
+            </a:extLst>
+          </p:spPr>
+        </p:pic>
+        <p:pic>
+          <p:nvPicPr>
+            <p:cNvPr id="8" name="Picture 8" descr="https://www.unos.org/wp-content/uploads/unos/icon-heart1.png?b2d5de"/>
+            <p:cNvPicPr>
+              <a:picLocks noChangeAspect="1" noChangeArrowheads="1"/>
+            </p:cNvPicPr>
+            <p:nvPr/>
+          </p:nvPicPr>
+          <p:blipFill rotWithShape="1">
+            <a:blip r:embed="rId4">
+              <a:duotone>
+                <a:schemeClr val="accent1">
+                  <a:shade val="45000"/>
+                  <a:satMod val="135000"/>
+                </a:schemeClr>
+                <a:prstClr val="white"/>
+              </a:duotone>
+              <a:extLst>
+                <a:ext uri="{28A0092B-C50C-407E-A947-70E740481C1C}">
+                  <a14:useLocalDpi xmlns:a14="http://schemas.microsoft.com/office/drawing/2010/main" val="0"/>
+                </a:ext>
+              </a:extLst>
+            </a:blip>
+            <a:srcRect b="15392"/>
+            <a:stretch/>
+          </p:blipFill>
+          <p:spPr bwMode="auto">
+            <a:xfrm>
+              <a:off x="1796552" y="6203388"/>
+              <a:ext cx="1038225" cy="572186"/>
+            </a:xfrm>
+            <a:prstGeom prst="rect">
+              <a:avLst/>
+            </a:prstGeom>
+            <a:noFill/>
+            <a:extLst>
+              <a:ext uri="{909E8E84-426E-40DD-AFC4-6F175D3DCCD1}">
+                <a14:hiddenFill xmlns:a14="http://schemas.microsoft.com/office/drawing/2010/main">
+                  <a:solidFill>
+                    <a:srgbClr val="FFFFFF"/>
+                  </a:solidFill>
+                </a14:hiddenFill>
+              </a:ext>
+            </a:extLst>
+          </p:spPr>
+        </p:pic>
+        <p:pic>
+          <p:nvPicPr>
+            <p:cNvPr id="9" name="Picture 10" descr="https://www.unos.org/wp-content/uploads/unos/icon-clock2.png?b2d5de"/>
+            <p:cNvPicPr>
+              <a:picLocks noChangeAspect="1" noChangeArrowheads="1"/>
+            </p:cNvPicPr>
+            <p:nvPr/>
+          </p:nvPicPr>
+          <p:blipFill>
+            <a:blip r:embed="rId5">
+              <a:duotone>
+                <a:schemeClr val="accent1">
+                  <a:shade val="45000"/>
+                  <a:satMod val="135000"/>
+                </a:schemeClr>
+                <a:prstClr val="white"/>
+              </a:duotone>
+              <a:extLst>
+                <a:ext uri="{28A0092B-C50C-407E-A947-70E740481C1C}">
+                  <a14:useLocalDpi xmlns:a14="http://schemas.microsoft.com/office/drawing/2010/main" val="0"/>
+                </a:ext>
+              </a:extLst>
+            </a:blip>
+            <a:srcRect/>
+            <a:stretch>
+              <a:fillRect/>
+            </a:stretch>
+          </p:blipFill>
+          <p:spPr bwMode="auto">
+            <a:xfrm>
+              <a:off x="2694828" y="6151343"/>
+              <a:ext cx="1038225" cy="676276"/>
+            </a:xfrm>
+            <a:prstGeom prst="rect">
+              <a:avLst/>
+            </a:prstGeom>
+            <a:noFill/>
+            <a:extLst>
+              <a:ext uri="{909E8E84-426E-40DD-AFC4-6F175D3DCCD1}">
+                <a14:hiddenFill xmlns:a14="http://schemas.microsoft.com/office/drawing/2010/main">
+                  <a:solidFill>
+                    <a:srgbClr val="FFFFFF"/>
+                  </a:solidFill>
+                </a14:hiddenFill>
+              </a:ext>
+            </a:extLst>
+          </p:spPr>
+        </p:pic>
+        <p:pic>
+          <p:nvPicPr>
+            <p:cNvPr id="10" name="Picture 12" descr="https://www.unos.org/wp-content/uploads/unos/icon-checklist.png?b2d5de"/>
+            <p:cNvPicPr>
+              <a:picLocks noChangeAspect="1" noChangeArrowheads="1"/>
+            </p:cNvPicPr>
+            <p:nvPr/>
+          </p:nvPicPr>
+          <p:blipFill>
+            <a:blip r:embed="rId6">
+              <a:duotone>
+                <a:schemeClr val="accent1">
+                  <a:shade val="45000"/>
+                  <a:satMod val="135000"/>
+                </a:schemeClr>
+                <a:prstClr val="white"/>
+              </a:duotone>
+              <a:extLst>
+                <a:ext uri="{28A0092B-C50C-407E-A947-70E740481C1C}">
+                  <a14:useLocalDpi xmlns:a14="http://schemas.microsoft.com/office/drawing/2010/main" val="0"/>
+                </a:ext>
+              </a:extLst>
+            </a:blip>
+            <a:srcRect/>
+            <a:stretch>
+              <a:fillRect/>
+            </a:stretch>
+          </p:blipFill>
+          <p:spPr bwMode="auto">
+            <a:xfrm>
+              <a:off x="3593104" y="6151343"/>
+              <a:ext cx="1038225" cy="676276"/>
+            </a:xfrm>
+            <a:prstGeom prst="rect">
+              <a:avLst/>
+            </a:prstGeom>
+            <a:noFill/>
+            <a:extLst>
+              <a:ext uri="{909E8E84-426E-40DD-AFC4-6F175D3DCCD1}">
+                <a14:hiddenFill xmlns:a14="http://schemas.microsoft.com/office/drawing/2010/main">
+                  <a:solidFill>
+                    <a:srgbClr val="FFFFFF"/>
+                  </a:solidFill>
+                </a14:hiddenFill>
+              </a:ext>
+            </a:extLst>
+          </p:spPr>
+        </p:pic>
+        <p:pic>
+          <p:nvPicPr>
+            <p:cNvPr id="11" name="Picture 14" descr="https://www.unos.org/wp-content/uploads/unos/icon-consent.png?b2d5de"/>
+            <p:cNvPicPr>
+              <a:picLocks noChangeAspect="1" noChangeArrowheads="1"/>
+            </p:cNvPicPr>
+            <p:nvPr/>
+          </p:nvPicPr>
+          <p:blipFill>
+            <a:blip r:embed="rId7">
+              <a:duotone>
+                <a:schemeClr val="accent1">
+                  <a:shade val="45000"/>
+                  <a:satMod val="135000"/>
+                </a:schemeClr>
+                <a:prstClr val="white"/>
+              </a:duotone>
+              <a:extLst>
+                <a:ext uri="{28A0092B-C50C-407E-A947-70E740481C1C}">
+                  <a14:useLocalDpi xmlns:a14="http://schemas.microsoft.com/office/drawing/2010/main" val="0"/>
+                </a:ext>
+              </a:extLst>
+            </a:blip>
+            <a:srcRect/>
+            <a:stretch>
+              <a:fillRect/>
+            </a:stretch>
+          </p:blipFill>
+          <p:spPr bwMode="auto">
+            <a:xfrm>
+              <a:off x="4491380" y="6151343"/>
+              <a:ext cx="1038225" cy="676276"/>
+            </a:xfrm>
+            <a:prstGeom prst="rect">
+              <a:avLst/>
+            </a:prstGeom>
+            <a:noFill/>
+            <a:extLst>
+              <a:ext uri="{909E8E84-426E-40DD-AFC4-6F175D3DCCD1}">
+                <a14:hiddenFill xmlns:a14="http://schemas.microsoft.com/office/drawing/2010/main">
+                  <a:solidFill>
+                    <a:srgbClr val="FFFFFF"/>
+                  </a:solidFill>
+                </a14:hiddenFill>
+              </a:ext>
+            </a:extLst>
+          </p:spPr>
+        </p:pic>
+        <p:pic>
+          <p:nvPicPr>
+            <p:cNvPr id="12" name="Picture 16" descr="https://www.unos.org/wp-content/uploads/unos/icon-unet.png?b2d5de"/>
+            <p:cNvPicPr>
+              <a:picLocks noChangeAspect="1" noChangeArrowheads="1"/>
+            </p:cNvPicPr>
+            <p:nvPr/>
+          </p:nvPicPr>
+          <p:blipFill rotWithShape="1">
+            <a:blip r:embed="rId8">
+              <a:duotone>
+                <a:schemeClr val="accent1">
+                  <a:shade val="45000"/>
+                  <a:satMod val="135000"/>
+                </a:schemeClr>
+                <a:prstClr val="white"/>
+              </a:duotone>
+              <a:extLst>
+                <a:ext uri="{28A0092B-C50C-407E-A947-70E740481C1C}">
+                  <a14:useLocalDpi xmlns:a14="http://schemas.microsoft.com/office/drawing/2010/main" val="0"/>
+                </a:ext>
+              </a:extLst>
+            </a:blip>
+            <a:srcRect b="15392"/>
+            <a:stretch/>
+          </p:blipFill>
+          <p:spPr bwMode="auto">
+            <a:xfrm>
+              <a:off x="5389656" y="6203388"/>
+              <a:ext cx="1038225" cy="572186"/>
+            </a:xfrm>
+            <a:prstGeom prst="rect">
+              <a:avLst/>
+            </a:prstGeom>
+            <a:noFill/>
+            <a:extLst>
+              <a:ext uri="{909E8E84-426E-40DD-AFC4-6F175D3DCCD1}">
+                <a14:hiddenFill xmlns:a14="http://schemas.microsoft.com/office/drawing/2010/main">
+                  <a:solidFill>
+                    <a:srgbClr val="FFFFFF"/>
+                  </a:solidFill>
+                </a14:hiddenFill>
+              </a:ext>
+            </a:extLst>
+          </p:spPr>
+        </p:pic>
+        <p:pic>
+          <p:nvPicPr>
+            <p:cNvPr id="13" name="Picture 18" descr="https://www.unos.org/wp-content/uploads/unos/icon-organplacement.png?b2d5de"/>
+            <p:cNvPicPr>
+              <a:picLocks noChangeAspect="1" noChangeArrowheads="1"/>
+            </p:cNvPicPr>
+            <p:nvPr/>
+          </p:nvPicPr>
+          <p:blipFill rotWithShape="1">
+            <a:blip r:embed="rId9">
+              <a:duotone>
+                <a:schemeClr val="accent1">
+                  <a:shade val="45000"/>
+                  <a:satMod val="135000"/>
+                </a:schemeClr>
+                <a:prstClr val="white"/>
+              </a:duotone>
+              <a:extLst>
+                <a:ext uri="{28A0092B-C50C-407E-A947-70E740481C1C}">
+                  <a14:useLocalDpi xmlns:a14="http://schemas.microsoft.com/office/drawing/2010/main" val="0"/>
+                </a:ext>
+              </a:extLst>
+            </a:blip>
+            <a:srcRect b="13403"/>
+            <a:stretch/>
+          </p:blipFill>
+          <p:spPr bwMode="auto">
+            <a:xfrm>
+              <a:off x="6287932" y="6196665"/>
+              <a:ext cx="1038225" cy="585633"/>
+            </a:xfrm>
+            <a:prstGeom prst="rect">
+              <a:avLst/>
+            </a:prstGeom>
+            <a:noFill/>
+            <a:extLst>
+              <a:ext uri="{909E8E84-426E-40DD-AFC4-6F175D3DCCD1}">
+                <a14:hiddenFill xmlns:a14="http://schemas.microsoft.com/office/drawing/2010/main">
+                  <a:solidFill>
+                    <a:srgbClr val="FFFFFF"/>
+                  </a:solidFill>
+                </a14:hiddenFill>
+              </a:ext>
+            </a:extLst>
+          </p:spPr>
+        </p:pic>
+        <p:pic>
+          <p:nvPicPr>
+            <p:cNvPr id="14" name="Picture 20" descr="https://www.unos.org/wp-content/uploads/unos/icon2.png?b2d5de"/>
+            <p:cNvPicPr>
+              <a:picLocks noChangeAspect="1" noChangeArrowheads="1"/>
+            </p:cNvPicPr>
+            <p:nvPr/>
+          </p:nvPicPr>
+          <p:blipFill rotWithShape="1">
+            <a:blip r:embed="rId10">
+              <a:duotone>
+                <a:schemeClr val="accent1">
+                  <a:shade val="45000"/>
+                  <a:satMod val="135000"/>
+                </a:schemeClr>
+                <a:prstClr val="white"/>
+              </a:duotone>
+              <a:extLst>
+                <a:ext uri="{28A0092B-C50C-407E-A947-70E740481C1C}">
+                  <a14:useLocalDpi xmlns:a14="http://schemas.microsoft.com/office/drawing/2010/main" val="0"/>
+                </a:ext>
+              </a:extLst>
+            </a:blip>
+            <a:srcRect b="9427"/>
+            <a:stretch/>
+          </p:blipFill>
+          <p:spPr bwMode="auto">
+            <a:xfrm>
+              <a:off x="7186208" y="6183217"/>
+              <a:ext cx="1038225" cy="612528"/>
+            </a:xfrm>
+            <a:prstGeom prst="rect">
+              <a:avLst/>
+            </a:prstGeom>
+            <a:noFill/>
+            <a:extLst>
+              <a:ext uri="{909E8E84-426E-40DD-AFC4-6F175D3DCCD1}">
+                <a14:hiddenFill xmlns:a14="http://schemas.microsoft.com/office/drawing/2010/main">
+                  <a:solidFill>
+                    <a:srgbClr val="FFFFFF"/>
+                  </a:solidFill>
+                </a14:hiddenFill>
+              </a:ext>
+            </a:extLst>
+          </p:spPr>
+        </p:pic>
+        <p:pic>
+          <p:nvPicPr>
+            <p:cNvPr id="15" name="Picture 22" descr="https://www.unos.org/wp-content/uploads/unos/icon1.png?b2d5de"/>
+            <p:cNvPicPr>
+              <a:picLocks noChangeAspect="1" noChangeArrowheads="1"/>
+            </p:cNvPicPr>
+            <p:nvPr/>
+          </p:nvPicPr>
+          <p:blipFill>
+            <a:blip r:embed="rId11">
+              <a:duotone>
+                <a:schemeClr val="accent1">
+                  <a:shade val="45000"/>
+                  <a:satMod val="135000"/>
+                </a:schemeClr>
+                <a:prstClr val="white"/>
+              </a:duotone>
+              <a:extLst>
+                <a:ext uri="{28A0092B-C50C-407E-A947-70E740481C1C}">
+                  <a14:useLocalDpi xmlns:a14="http://schemas.microsoft.com/office/drawing/2010/main" val="0"/>
+                </a:ext>
+              </a:extLst>
+            </a:blip>
+            <a:srcRect/>
+            <a:stretch>
+              <a:fillRect/>
+            </a:stretch>
+          </p:blipFill>
+          <p:spPr bwMode="auto">
+            <a:xfrm>
+              <a:off x="8084484" y="6151343"/>
+              <a:ext cx="1038225" cy="676276"/>
+            </a:xfrm>
+            <a:prstGeom prst="rect">
+              <a:avLst/>
+            </a:prstGeom>
+            <a:noFill/>
+            <a:extLst>
+              <a:ext uri="{909E8E84-426E-40DD-AFC4-6F175D3DCCD1}">
+                <a14:hiddenFill xmlns:a14="http://schemas.microsoft.com/office/drawing/2010/main">
+                  <a:solidFill>
+                    <a:srgbClr val="FFFFFF"/>
+                  </a:solidFill>
+                </a14:hiddenFill>
+              </a:ext>
+            </a:extLst>
+          </p:spPr>
+        </p:pic>
+      </p:grpSp>
     </p:spTree>
     <p:extLst>
       <p:ext uri="{BB962C8B-B14F-4D97-AF65-F5344CB8AC3E}">
-        <p14:creationId xmlns:p14="http://schemas.microsoft.com/office/powerpoint/2010/main" val="1786436191"/>
+        <p14:creationId xmlns:p14="http://schemas.microsoft.com/office/powerpoint/2010/main" val="207645607"/>
       </p:ext>
     </p:extLst>
   </p:cSld>
@@ -32094,6 +33653,141 @@
       </p:sp>
       <p:sp>
         <p:nvSpPr>
+          <p:cNvPr id="3" name="Content Placeholder 2"/>
+          <p:cNvSpPr>
+            <a:spLocks noGrp="1"/>
+          </p:cNvSpPr>
+          <p:nvPr>
+            <p:ph idx="1"/>
+          </p:nvPr>
+        </p:nvSpPr>
+        <p:spPr/>
+        <p:txBody>
+          <a:bodyPr>
+            <a:normAutofit fontScale="92500" lnSpcReduction="10000"/>
+          </a:bodyPr>
+          <a:lstStyle/>
+          <a:p>
+            <a:r>
+              <a:rPr lang="en-US" dirty="0" smtClean="0"/>
+              <a:t>Regions = 4</a:t>
+            </a:r>
+          </a:p>
+          <a:p>
+            <a:r>
+              <a:rPr lang="en-US" dirty="0" err="1" smtClean="0"/>
+              <a:t>initial_patients</a:t>
+            </a:r>
+            <a:r>
+              <a:rPr lang="en-US" dirty="0" smtClean="0"/>
+              <a:t> </a:t>
+            </a:r>
+            <a:r>
+              <a:rPr lang="en-US" dirty="0"/>
+              <a:t>= </a:t>
+            </a:r>
+            <a:r>
+              <a:rPr lang="en-US" dirty="0" smtClean="0"/>
+              <a:t>16000</a:t>
+            </a:r>
+          </a:p>
+          <a:p>
+            <a:r>
+              <a:rPr lang="en-US" dirty="0" err="1" smtClean="0"/>
+              <a:t>additional_patients</a:t>
+            </a:r>
+            <a:r>
+              <a:rPr lang="en-US" dirty="0" smtClean="0"/>
+              <a:t> </a:t>
+            </a:r>
+            <a:r>
+              <a:rPr lang="en-US" dirty="0"/>
+              <a:t>= </a:t>
+            </a:r>
+            <a:r>
+              <a:rPr lang="en-US" dirty="0" smtClean="0"/>
+              <a:t>2800</a:t>
+            </a:r>
+          </a:p>
+          <a:p>
+            <a:r>
+              <a:rPr lang="en-US" dirty="0" err="1" smtClean="0"/>
+              <a:t>transplant_rates</a:t>
+            </a:r>
+            <a:r>
+              <a:rPr lang="en-US" dirty="0" smtClean="0"/>
+              <a:t> </a:t>
+            </a:r>
+            <a:r>
+              <a:rPr lang="en-US" dirty="0"/>
+              <a:t>= [</a:t>
+            </a:r>
+            <a:r>
+              <a:rPr lang="en-US" dirty="0" smtClean="0"/>
+              <a:t>610, 370, 188, 255]</a:t>
+            </a:r>
+            <a:endParaRPr lang="en-US" dirty="0"/>
+          </a:p>
+          <a:p>
+            <a:r>
+              <a:rPr lang="en-US" dirty="0" err="1" smtClean="0"/>
+              <a:t>queue_probabilities</a:t>
+            </a:r>
+            <a:r>
+              <a:rPr lang="en-US" dirty="0" smtClean="0"/>
+              <a:t> </a:t>
+            </a:r>
+            <a:r>
+              <a:rPr lang="en-US" dirty="0"/>
+              <a:t>= [0.42, 0.26, 0.11, 0.21]</a:t>
+            </a:r>
+          </a:p>
+          <a:p>
+            <a:r>
+              <a:rPr lang="en-US" dirty="0" err="1" smtClean="0"/>
+              <a:t>advantage_prob</a:t>
+            </a:r>
+            <a:r>
+              <a:rPr lang="en-US" dirty="0" smtClean="0"/>
+              <a:t> </a:t>
+            </a:r>
+            <a:r>
+              <a:rPr lang="en-US" dirty="0"/>
+              <a:t>= 0.05</a:t>
+            </a:r>
+          </a:p>
+          <a:p>
+            <a:r>
+              <a:rPr lang="en-US" dirty="0" err="1" smtClean="0"/>
+              <a:t>average_lifespan</a:t>
+            </a:r>
+            <a:r>
+              <a:rPr lang="en-US" dirty="0" smtClean="0"/>
+              <a:t> </a:t>
+            </a:r>
+            <a:r>
+              <a:rPr lang="en-US" dirty="0"/>
+              <a:t>= </a:t>
+            </a:r>
+            <a:r>
+              <a:rPr lang="en-US" dirty="0" smtClean="0"/>
+              <a:t>98</a:t>
+            </a:r>
+          </a:p>
+          <a:p>
+            <a:endParaRPr lang="en-US" dirty="0"/>
+          </a:p>
+          <a:p>
+            <a:r>
+              <a:rPr lang="en-US" dirty="0" smtClean="0"/>
+              <a:t>Based on a simple linear projection, expected to grow by ~6000 over 10 years</a:t>
+            </a:r>
+            <a:endParaRPr lang="en-US" dirty="0"/>
+          </a:p>
+        </p:txBody>
+      </p:sp>
+      <p:sp>
+        <p:nvSpPr>
           <p:cNvPr id="4" name="Slide Number Placeholder 3"/>
           <p:cNvSpPr>
             <a:spLocks noGrp="1"/>
@@ -32110,6 +33804,569 @@
             <a:fld id="{7F8D1A9C-6056-482D-9AC4-BD83A5379FC7}" type="slidenum">
               <a:rPr lang="en-US" smtClean="0"/>
               <a:t>17</a:t>
+            </a:fld>
+            <a:endParaRPr lang="en-US" dirty="0"/>
+          </a:p>
+        </p:txBody>
+      </p:sp>
+      <p:grpSp>
+        <p:nvGrpSpPr>
+          <p:cNvPr id="5" name="Group 4"/>
+          <p:cNvGrpSpPr/>
+          <p:nvPr/>
+        </p:nvGrpSpPr>
+        <p:grpSpPr>
+          <a:xfrm>
+            <a:off x="0" y="6151343"/>
+            <a:ext cx="9122709" cy="676276"/>
+            <a:chOff x="0" y="6151343"/>
+            <a:chExt cx="9122709" cy="676276"/>
+          </a:xfrm>
+        </p:grpSpPr>
+        <p:pic>
+          <p:nvPicPr>
+            <p:cNvPr id="6" name="Picture 4" descr="https://www.unos.org/wp-content/uploads/unos/icon-ambulance.png?b2d5de"/>
+            <p:cNvPicPr>
+              <a:picLocks noChangeAspect="1" noChangeArrowheads="1"/>
+            </p:cNvPicPr>
+            <p:nvPr/>
+          </p:nvPicPr>
+          <p:blipFill>
+            <a:blip r:embed="rId2">
+              <a:duotone>
+                <a:schemeClr val="accent1">
+                  <a:shade val="45000"/>
+                  <a:satMod val="135000"/>
+                </a:schemeClr>
+                <a:prstClr val="white"/>
+              </a:duotone>
+              <a:extLst>
+                <a:ext uri="{28A0092B-C50C-407E-A947-70E740481C1C}">
+                  <a14:useLocalDpi xmlns:a14="http://schemas.microsoft.com/office/drawing/2010/main" val="0"/>
+                </a:ext>
+              </a:extLst>
+            </a:blip>
+            <a:srcRect/>
+            <a:stretch>
+              <a:fillRect/>
+            </a:stretch>
+          </p:blipFill>
+          <p:spPr bwMode="auto">
+            <a:xfrm>
+              <a:off x="0" y="6151343"/>
+              <a:ext cx="1038225" cy="676276"/>
+            </a:xfrm>
+            <a:prstGeom prst="rect">
+              <a:avLst/>
+            </a:prstGeom>
+            <a:noFill/>
+            <a:extLst>
+              <a:ext uri="{909E8E84-426E-40DD-AFC4-6F175D3DCCD1}">
+                <a14:hiddenFill xmlns:a14="http://schemas.microsoft.com/office/drawing/2010/main">
+                  <a:solidFill>
+                    <a:srgbClr val="FFFFFF"/>
+                  </a:solidFill>
+                </a14:hiddenFill>
+              </a:ext>
+            </a:extLst>
+          </p:spPr>
+        </p:pic>
+        <p:pic>
+          <p:nvPicPr>
+            <p:cNvPr id="7" name="Picture 6" descr="https://www.unos.org/wp-content/uploads/unos/icon-medical.png?b2d5de"/>
+            <p:cNvPicPr>
+              <a:picLocks noChangeAspect="1" noChangeArrowheads="1"/>
+            </p:cNvPicPr>
+            <p:nvPr/>
+          </p:nvPicPr>
+          <p:blipFill>
+            <a:blip r:embed="rId3">
+              <a:duotone>
+                <a:schemeClr val="accent1">
+                  <a:shade val="45000"/>
+                  <a:satMod val="135000"/>
+                </a:schemeClr>
+                <a:prstClr val="white"/>
+              </a:duotone>
+              <a:extLst>
+                <a:ext uri="{28A0092B-C50C-407E-A947-70E740481C1C}">
+                  <a14:useLocalDpi xmlns:a14="http://schemas.microsoft.com/office/drawing/2010/main" val="0"/>
+                </a:ext>
+              </a:extLst>
+            </a:blip>
+            <a:srcRect/>
+            <a:stretch>
+              <a:fillRect/>
+            </a:stretch>
+          </p:blipFill>
+          <p:spPr bwMode="auto">
+            <a:xfrm>
+              <a:off x="898276" y="6151343"/>
+              <a:ext cx="1038225" cy="676276"/>
+            </a:xfrm>
+            <a:prstGeom prst="rect">
+              <a:avLst/>
+            </a:prstGeom>
+            <a:noFill/>
+            <a:extLst>
+              <a:ext uri="{909E8E84-426E-40DD-AFC4-6F175D3DCCD1}">
+                <a14:hiddenFill xmlns:a14="http://schemas.microsoft.com/office/drawing/2010/main">
+                  <a:solidFill>
+                    <a:srgbClr val="FFFFFF"/>
+                  </a:solidFill>
+                </a14:hiddenFill>
+              </a:ext>
+            </a:extLst>
+          </p:spPr>
+        </p:pic>
+        <p:pic>
+          <p:nvPicPr>
+            <p:cNvPr id="8" name="Picture 8" descr="https://www.unos.org/wp-content/uploads/unos/icon-heart1.png?b2d5de"/>
+            <p:cNvPicPr>
+              <a:picLocks noChangeAspect="1" noChangeArrowheads="1"/>
+            </p:cNvPicPr>
+            <p:nvPr/>
+          </p:nvPicPr>
+          <p:blipFill rotWithShape="1">
+            <a:blip r:embed="rId4">
+              <a:duotone>
+                <a:schemeClr val="accent1">
+                  <a:shade val="45000"/>
+                  <a:satMod val="135000"/>
+                </a:schemeClr>
+                <a:prstClr val="white"/>
+              </a:duotone>
+              <a:extLst>
+                <a:ext uri="{28A0092B-C50C-407E-A947-70E740481C1C}">
+                  <a14:useLocalDpi xmlns:a14="http://schemas.microsoft.com/office/drawing/2010/main" val="0"/>
+                </a:ext>
+              </a:extLst>
+            </a:blip>
+            <a:srcRect b="15392"/>
+            <a:stretch/>
+          </p:blipFill>
+          <p:spPr bwMode="auto">
+            <a:xfrm>
+              <a:off x="1796552" y="6203388"/>
+              <a:ext cx="1038225" cy="572186"/>
+            </a:xfrm>
+            <a:prstGeom prst="rect">
+              <a:avLst/>
+            </a:prstGeom>
+            <a:noFill/>
+            <a:extLst>
+              <a:ext uri="{909E8E84-426E-40DD-AFC4-6F175D3DCCD1}">
+                <a14:hiddenFill xmlns:a14="http://schemas.microsoft.com/office/drawing/2010/main">
+                  <a:solidFill>
+                    <a:srgbClr val="FFFFFF"/>
+                  </a:solidFill>
+                </a14:hiddenFill>
+              </a:ext>
+            </a:extLst>
+          </p:spPr>
+        </p:pic>
+        <p:pic>
+          <p:nvPicPr>
+            <p:cNvPr id="9" name="Picture 10" descr="https://www.unos.org/wp-content/uploads/unos/icon-clock2.png?b2d5de"/>
+            <p:cNvPicPr>
+              <a:picLocks noChangeAspect="1" noChangeArrowheads="1"/>
+            </p:cNvPicPr>
+            <p:nvPr/>
+          </p:nvPicPr>
+          <p:blipFill>
+            <a:blip r:embed="rId5">
+              <a:duotone>
+                <a:schemeClr val="accent1">
+                  <a:shade val="45000"/>
+                  <a:satMod val="135000"/>
+                </a:schemeClr>
+                <a:prstClr val="white"/>
+              </a:duotone>
+              <a:extLst>
+                <a:ext uri="{28A0092B-C50C-407E-A947-70E740481C1C}">
+                  <a14:useLocalDpi xmlns:a14="http://schemas.microsoft.com/office/drawing/2010/main" val="0"/>
+                </a:ext>
+              </a:extLst>
+            </a:blip>
+            <a:srcRect/>
+            <a:stretch>
+              <a:fillRect/>
+            </a:stretch>
+          </p:blipFill>
+          <p:spPr bwMode="auto">
+            <a:xfrm>
+              <a:off x="2694828" y="6151343"/>
+              <a:ext cx="1038225" cy="676276"/>
+            </a:xfrm>
+            <a:prstGeom prst="rect">
+              <a:avLst/>
+            </a:prstGeom>
+            <a:noFill/>
+            <a:extLst>
+              <a:ext uri="{909E8E84-426E-40DD-AFC4-6F175D3DCCD1}">
+                <a14:hiddenFill xmlns:a14="http://schemas.microsoft.com/office/drawing/2010/main">
+                  <a:solidFill>
+                    <a:srgbClr val="FFFFFF"/>
+                  </a:solidFill>
+                </a14:hiddenFill>
+              </a:ext>
+            </a:extLst>
+          </p:spPr>
+        </p:pic>
+        <p:pic>
+          <p:nvPicPr>
+            <p:cNvPr id="10" name="Picture 12" descr="https://www.unos.org/wp-content/uploads/unos/icon-checklist.png?b2d5de"/>
+            <p:cNvPicPr>
+              <a:picLocks noChangeAspect="1" noChangeArrowheads="1"/>
+            </p:cNvPicPr>
+            <p:nvPr/>
+          </p:nvPicPr>
+          <p:blipFill>
+            <a:blip r:embed="rId6">
+              <a:duotone>
+                <a:schemeClr val="accent1">
+                  <a:shade val="45000"/>
+                  <a:satMod val="135000"/>
+                </a:schemeClr>
+                <a:prstClr val="white"/>
+              </a:duotone>
+              <a:extLst>
+                <a:ext uri="{28A0092B-C50C-407E-A947-70E740481C1C}">
+                  <a14:useLocalDpi xmlns:a14="http://schemas.microsoft.com/office/drawing/2010/main" val="0"/>
+                </a:ext>
+              </a:extLst>
+            </a:blip>
+            <a:srcRect/>
+            <a:stretch>
+              <a:fillRect/>
+            </a:stretch>
+          </p:blipFill>
+          <p:spPr bwMode="auto">
+            <a:xfrm>
+              <a:off x="3593104" y="6151343"/>
+              <a:ext cx="1038225" cy="676276"/>
+            </a:xfrm>
+            <a:prstGeom prst="rect">
+              <a:avLst/>
+            </a:prstGeom>
+            <a:noFill/>
+            <a:extLst>
+              <a:ext uri="{909E8E84-426E-40DD-AFC4-6F175D3DCCD1}">
+                <a14:hiddenFill xmlns:a14="http://schemas.microsoft.com/office/drawing/2010/main">
+                  <a:solidFill>
+                    <a:srgbClr val="FFFFFF"/>
+                  </a:solidFill>
+                </a14:hiddenFill>
+              </a:ext>
+            </a:extLst>
+          </p:spPr>
+        </p:pic>
+        <p:pic>
+          <p:nvPicPr>
+            <p:cNvPr id="11" name="Picture 14" descr="https://www.unos.org/wp-content/uploads/unos/icon-consent.png?b2d5de"/>
+            <p:cNvPicPr>
+              <a:picLocks noChangeAspect="1" noChangeArrowheads="1"/>
+            </p:cNvPicPr>
+            <p:nvPr/>
+          </p:nvPicPr>
+          <p:blipFill>
+            <a:blip r:embed="rId7">
+              <a:duotone>
+                <a:schemeClr val="accent1">
+                  <a:shade val="45000"/>
+                  <a:satMod val="135000"/>
+                </a:schemeClr>
+                <a:prstClr val="white"/>
+              </a:duotone>
+              <a:extLst>
+                <a:ext uri="{28A0092B-C50C-407E-A947-70E740481C1C}">
+                  <a14:useLocalDpi xmlns:a14="http://schemas.microsoft.com/office/drawing/2010/main" val="0"/>
+                </a:ext>
+              </a:extLst>
+            </a:blip>
+            <a:srcRect/>
+            <a:stretch>
+              <a:fillRect/>
+            </a:stretch>
+          </p:blipFill>
+          <p:spPr bwMode="auto">
+            <a:xfrm>
+              <a:off x="4491380" y="6151343"/>
+              <a:ext cx="1038225" cy="676276"/>
+            </a:xfrm>
+            <a:prstGeom prst="rect">
+              <a:avLst/>
+            </a:prstGeom>
+            <a:noFill/>
+            <a:extLst>
+              <a:ext uri="{909E8E84-426E-40DD-AFC4-6F175D3DCCD1}">
+                <a14:hiddenFill xmlns:a14="http://schemas.microsoft.com/office/drawing/2010/main">
+                  <a:solidFill>
+                    <a:srgbClr val="FFFFFF"/>
+                  </a:solidFill>
+                </a14:hiddenFill>
+              </a:ext>
+            </a:extLst>
+          </p:spPr>
+        </p:pic>
+        <p:pic>
+          <p:nvPicPr>
+            <p:cNvPr id="12" name="Picture 16" descr="https://www.unos.org/wp-content/uploads/unos/icon-unet.png?b2d5de"/>
+            <p:cNvPicPr>
+              <a:picLocks noChangeAspect="1" noChangeArrowheads="1"/>
+            </p:cNvPicPr>
+            <p:nvPr/>
+          </p:nvPicPr>
+          <p:blipFill rotWithShape="1">
+            <a:blip r:embed="rId8">
+              <a:duotone>
+                <a:schemeClr val="accent1">
+                  <a:shade val="45000"/>
+                  <a:satMod val="135000"/>
+                </a:schemeClr>
+                <a:prstClr val="white"/>
+              </a:duotone>
+              <a:extLst>
+                <a:ext uri="{28A0092B-C50C-407E-A947-70E740481C1C}">
+                  <a14:useLocalDpi xmlns:a14="http://schemas.microsoft.com/office/drawing/2010/main" val="0"/>
+                </a:ext>
+              </a:extLst>
+            </a:blip>
+            <a:srcRect b="15392"/>
+            <a:stretch/>
+          </p:blipFill>
+          <p:spPr bwMode="auto">
+            <a:xfrm>
+              <a:off x="5389656" y="6203388"/>
+              <a:ext cx="1038225" cy="572186"/>
+            </a:xfrm>
+            <a:prstGeom prst="rect">
+              <a:avLst/>
+            </a:prstGeom>
+            <a:noFill/>
+            <a:extLst>
+              <a:ext uri="{909E8E84-426E-40DD-AFC4-6F175D3DCCD1}">
+                <a14:hiddenFill xmlns:a14="http://schemas.microsoft.com/office/drawing/2010/main">
+                  <a:solidFill>
+                    <a:srgbClr val="FFFFFF"/>
+                  </a:solidFill>
+                </a14:hiddenFill>
+              </a:ext>
+            </a:extLst>
+          </p:spPr>
+        </p:pic>
+        <p:pic>
+          <p:nvPicPr>
+            <p:cNvPr id="13" name="Picture 18" descr="https://www.unos.org/wp-content/uploads/unos/icon-organplacement.png?b2d5de"/>
+            <p:cNvPicPr>
+              <a:picLocks noChangeAspect="1" noChangeArrowheads="1"/>
+            </p:cNvPicPr>
+            <p:nvPr/>
+          </p:nvPicPr>
+          <p:blipFill rotWithShape="1">
+            <a:blip r:embed="rId9">
+              <a:duotone>
+                <a:schemeClr val="accent1">
+                  <a:shade val="45000"/>
+                  <a:satMod val="135000"/>
+                </a:schemeClr>
+                <a:prstClr val="white"/>
+              </a:duotone>
+              <a:extLst>
+                <a:ext uri="{28A0092B-C50C-407E-A947-70E740481C1C}">
+                  <a14:useLocalDpi xmlns:a14="http://schemas.microsoft.com/office/drawing/2010/main" val="0"/>
+                </a:ext>
+              </a:extLst>
+            </a:blip>
+            <a:srcRect b="13403"/>
+            <a:stretch/>
+          </p:blipFill>
+          <p:spPr bwMode="auto">
+            <a:xfrm>
+              <a:off x="6287932" y="6196665"/>
+              <a:ext cx="1038225" cy="585633"/>
+            </a:xfrm>
+            <a:prstGeom prst="rect">
+              <a:avLst/>
+            </a:prstGeom>
+            <a:noFill/>
+            <a:extLst>
+              <a:ext uri="{909E8E84-426E-40DD-AFC4-6F175D3DCCD1}">
+                <a14:hiddenFill xmlns:a14="http://schemas.microsoft.com/office/drawing/2010/main">
+                  <a:solidFill>
+                    <a:srgbClr val="FFFFFF"/>
+                  </a:solidFill>
+                </a14:hiddenFill>
+              </a:ext>
+            </a:extLst>
+          </p:spPr>
+        </p:pic>
+        <p:pic>
+          <p:nvPicPr>
+            <p:cNvPr id="14" name="Picture 20" descr="https://www.unos.org/wp-content/uploads/unos/icon2.png?b2d5de"/>
+            <p:cNvPicPr>
+              <a:picLocks noChangeAspect="1" noChangeArrowheads="1"/>
+            </p:cNvPicPr>
+            <p:nvPr/>
+          </p:nvPicPr>
+          <p:blipFill rotWithShape="1">
+            <a:blip r:embed="rId10">
+              <a:duotone>
+                <a:schemeClr val="accent1">
+                  <a:shade val="45000"/>
+                  <a:satMod val="135000"/>
+                </a:schemeClr>
+                <a:prstClr val="white"/>
+              </a:duotone>
+              <a:extLst>
+                <a:ext uri="{28A0092B-C50C-407E-A947-70E740481C1C}">
+                  <a14:useLocalDpi xmlns:a14="http://schemas.microsoft.com/office/drawing/2010/main" val="0"/>
+                </a:ext>
+              </a:extLst>
+            </a:blip>
+            <a:srcRect b="9427"/>
+            <a:stretch/>
+          </p:blipFill>
+          <p:spPr bwMode="auto">
+            <a:xfrm>
+              <a:off x="7186208" y="6183217"/>
+              <a:ext cx="1038225" cy="612528"/>
+            </a:xfrm>
+            <a:prstGeom prst="rect">
+              <a:avLst/>
+            </a:prstGeom>
+            <a:noFill/>
+            <a:extLst>
+              <a:ext uri="{909E8E84-426E-40DD-AFC4-6F175D3DCCD1}">
+                <a14:hiddenFill xmlns:a14="http://schemas.microsoft.com/office/drawing/2010/main">
+                  <a:solidFill>
+                    <a:srgbClr val="FFFFFF"/>
+                  </a:solidFill>
+                </a14:hiddenFill>
+              </a:ext>
+            </a:extLst>
+          </p:spPr>
+        </p:pic>
+        <p:pic>
+          <p:nvPicPr>
+            <p:cNvPr id="15" name="Picture 22" descr="https://www.unos.org/wp-content/uploads/unos/icon1.png?b2d5de"/>
+            <p:cNvPicPr>
+              <a:picLocks noChangeAspect="1" noChangeArrowheads="1"/>
+            </p:cNvPicPr>
+            <p:nvPr/>
+          </p:nvPicPr>
+          <p:blipFill>
+            <a:blip r:embed="rId11">
+              <a:duotone>
+                <a:schemeClr val="accent1">
+                  <a:shade val="45000"/>
+                  <a:satMod val="135000"/>
+                </a:schemeClr>
+                <a:prstClr val="white"/>
+              </a:duotone>
+              <a:extLst>
+                <a:ext uri="{28A0092B-C50C-407E-A947-70E740481C1C}">
+                  <a14:useLocalDpi xmlns:a14="http://schemas.microsoft.com/office/drawing/2010/main" val="0"/>
+                </a:ext>
+              </a:extLst>
+            </a:blip>
+            <a:srcRect/>
+            <a:stretch>
+              <a:fillRect/>
+            </a:stretch>
+          </p:blipFill>
+          <p:spPr bwMode="auto">
+            <a:xfrm>
+              <a:off x="8084484" y="6151343"/>
+              <a:ext cx="1038225" cy="676276"/>
+            </a:xfrm>
+            <a:prstGeom prst="rect">
+              <a:avLst/>
+            </a:prstGeom>
+            <a:noFill/>
+            <a:extLst>
+              <a:ext uri="{909E8E84-426E-40DD-AFC4-6F175D3DCCD1}">
+                <a14:hiddenFill xmlns:a14="http://schemas.microsoft.com/office/drawing/2010/main">
+                  <a:solidFill>
+                    <a:srgbClr val="FFFFFF"/>
+                  </a:solidFill>
+                </a14:hiddenFill>
+              </a:ext>
+            </a:extLst>
+          </p:spPr>
+        </p:pic>
+      </p:grpSp>
+    </p:spTree>
+    <p:extLst>
+      <p:ext uri="{BB962C8B-B14F-4D97-AF65-F5344CB8AC3E}">
+        <p14:creationId xmlns:p14="http://schemas.microsoft.com/office/powerpoint/2010/main" val="1786436191"/>
+      </p:ext>
+    </p:extLst>
+  </p:cSld>
+  <p:clrMapOvr>
+    <a:masterClrMapping/>
+  </p:clrMapOvr>
+</p:sld>
+</file>
+
+<file path=ppt/slides/slide18.xml><?xml version="1.0" encoding="utf-8"?>
+<p:sld xmlns:a="http://schemas.openxmlformats.org/drawingml/2006/main" xmlns:r="http://schemas.openxmlformats.org/officeDocument/2006/relationships" xmlns:p="http://schemas.openxmlformats.org/presentationml/2006/main">
+  <p:cSld>
+    <p:spTree>
+      <p:nvGrpSpPr>
+        <p:cNvPr id="1" name=""/>
+        <p:cNvGrpSpPr/>
+        <p:nvPr/>
+      </p:nvGrpSpPr>
+      <p:grpSpPr>
+        <a:xfrm>
+          <a:off x="0" y="0"/>
+          <a:ext cx="0" cy="0"/>
+          <a:chOff x="0" y="0"/>
+          <a:chExt cx="0" cy="0"/>
+        </a:xfrm>
+      </p:grpSpPr>
+      <p:sp>
+        <p:nvSpPr>
+          <p:cNvPr id="2" name="Title 1"/>
+          <p:cNvSpPr>
+            <a:spLocks noGrp="1"/>
+          </p:cNvSpPr>
+          <p:nvPr>
+            <p:ph type="title"/>
+          </p:nvPr>
+        </p:nvSpPr>
+        <p:spPr/>
+        <p:txBody>
+          <a:bodyPr/>
+          <a:lstStyle/>
+          <a:p>
+            <a:r>
+              <a:rPr lang="en-US" dirty="0" smtClean="0"/>
+              <a:t>Results</a:t>
+            </a:r>
+            <a:endParaRPr lang="en-US" dirty="0"/>
+          </a:p>
+        </p:txBody>
+      </p:sp>
+      <p:sp>
+        <p:nvSpPr>
+          <p:cNvPr id="4" name="Slide Number Placeholder 3"/>
+          <p:cNvSpPr>
+            <a:spLocks noGrp="1"/>
+          </p:cNvSpPr>
+          <p:nvPr>
+            <p:ph type="sldNum" sz="quarter" idx="12"/>
+          </p:nvPr>
+        </p:nvSpPr>
+        <p:spPr/>
+        <p:txBody>
+          <a:bodyPr/>
+          <a:lstStyle/>
+          <a:p>
+            <a:fld id="{7F8D1A9C-6056-482D-9AC4-BD83A5379FC7}" type="slidenum">
+              <a:rPr lang="en-US" smtClean="0"/>
+              <a:t>18</a:t>
             </a:fld>
             <a:endParaRPr lang="en-US" dirty="0"/>
           </a:p>
@@ -32251,105 +34508,497 @@
           </a:p>
         </p:txBody>
       </p:sp>
+      <p:grpSp>
+        <p:nvGrpSpPr>
+          <p:cNvPr id="8" name="Group 7"/>
+          <p:cNvGrpSpPr/>
+          <p:nvPr/>
+        </p:nvGrpSpPr>
+        <p:grpSpPr>
+          <a:xfrm>
+            <a:off x="0" y="6151343"/>
+            <a:ext cx="9122709" cy="676276"/>
+            <a:chOff x="0" y="6151343"/>
+            <a:chExt cx="9122709" cy="676276"/>
+          </a:xfrm>
+        </p:grpSpPr>
+        <p:pic>
+          <p:nvPicPr>
+            <p:cNvPr id="10" name="Picture 4" descr="https://www.unos.org/wp-content/uploads/unos/icon-ambulance.png?b2d5de"/>
+            <p:cNvPicPr>
+              <a:picLocks noChangeAspect="1" noChangeArrowheads="1"/>
+            </p:cNvPicPr>
+            <p:nvPr/>
+          </p:nvPicPr>
+          <p:blipFill>
+            <a:blip r:embed="rId4">
+              <a:duotone>
+                <a:schemeClr val="accent1">
+                  <a:shade val="45000"/>
+                  <a:satMod val="135000"/>
+                </a:schemeClr>
+                <a:prstClr val="white"/>
+              </a:duotone>
+              <a:extLst>
+                <a:ext uri="{28A0092B-C50C-407E-A947-70E740481C1C}">
+                  <a14:useLocalDpi xmlns:a14="http://schemas.microsoft.com/office/drawing/2010/main" val="0"/>
+                </a:ext>
+              </a:extLst>
+            </a:blip>
+            <a:srcRect/>
+            <a:stretch>
+              <a:fillRect/>
+            </a:stretch>
+          </p:blipFill>
+          <p:spPr bwMode="auto">
+            <a:xfrm>
+              <a:off x="0" y="6151343"/>
+              <a:ext cx="1038225" cy="676276"/>
+            </a:xfrm>
+            <a:prstGeom prst="rect">
+              <a:avLst/>
+            </a:prstGeom>
+            <a:noFill/>
+            <a:extLst>
+              <a:ext uri="{909E8E84-426E-40DD-AFC4-6F175D3DCCD1}">
+                <a14:hiddenFill xmlns:a14="http://schemas.microsoft.com/office/drawing/2010/main">
+                  <a:solidFill>
+                    <a:srgbClr val="FFFFFF"/>
+                  </a:solidFill>
+                </a14:hiddenFill>
+              </a:ext>
+            </a:extLst>
+          </p:spPr>
+        </p:pic>
+        <p:pic>
+          <p:nvPicPr>
+            <p:cNvPr id="14" name="Picture 13" descr="https://www.unos.org/wp-content/uploads/unos/icon-medical.png?b2d5de"/>
+            <p:cNvPicPr>
+              <a:picLocks noChangeAspect="1" noChangeArrowheads="1"/>
+            </p:cNvPicPr>
+            <p:nvPr/>
+          </p:nvPicPr>
+          <p:blipFill>
+            <a:blip r:embed="rId5">
+              <a:duotone>
+                <a:schemeClr val="accent1">
+                  <a:shade val="45000"/>
+                  <a:satMod val="135000"/>
+                </a:schemeClr>
+                <a:prstClr val="white"/>
+              </a:duotone>
+              <a:extLst>
+                <a:ext uri="{28A0092B-C50C-407E-A947-70E740481C1C}">
+                  <a14:useLocalDpi xmlns:a14="http://schemas.microsoft.com/office/drawing/2010/main" val="0"/>
+                </a:ext>
+              </a:extLst>
+            </a:blip>
+            <a:srcRect/>
+            <a:stretch>
+              <a:fillRect/>
+            </a:stretch>
+          </p:blipFill>
+          <p:spPr bwMode="auto">
+            <a:xfrm>
+              <a:off x="898276" y="6151343"/>
+              <a:ext cx="1038225" cy="676276"/>
+            </a:xfrm>
+            <a:prstGeom prst="rect">
+              <a:avLst/>
+            </a:prstGeom>
+            <a:noFill/>
+            <a:extLst>
+              <a:ext uri="{909E8E84-426E-40DD-AFC4-6F175D3DCCD1}">
+                <a14:hiddenFill xmlns:a14="http://schemas.microsoft.com/office/drawing/2010/main">
+                  <a:solidFill>
+                    <a:srgbClr val="FFFFFF"/>
+                  </a:solidFill>
+                </a14:hiddenFill>
+              </a:ext>
+            </a:extLst>
+          </p:spPr>
+        </p:pic>
+        <p:pic>
+          <p:nvPicPr>
+            <p:cNvPr id="15" name="Picture 8" descr="https://www.unos.org/wp-content/uploads/unos/icon-heart1.png?b2d5de"/>
+            <p:cNvPicPr>
+              <a:picLocks noChangeAspect="1" noChangeArrowheads="1"/>
+            </p:cNvPicPr>
+            <p:nvPr/>
+          </p:nvPicPr>
+          <p:blipFill rotWithShape="1">
+            <a:blip r:embed="rId6">
+              <a:duotone>
+                <a:schemeClr val="accent1">
+                  <a:shade val="45000"/>
+                  <a:satMod val="135000"/>
+                </a:schemeClr>
+                <a:prstClr val="white"/>
+              </a:duotone>
+              <a:extLst>
+                <a:ext uri="{28A0092B-C50C-407E-A947-70E740481C1C}">
+                  <a14:useLocalDpi xmlns:a14="http://schemas.microsoft.com/office/drawing/2010/main" val="0"/>
+                </a:ext>
+              </a:extLst>
+            </a:blip>
+            <a:srcRect b="15392"/>
+            <a:stretch/>
+          </p:blipFill>
+          <p:spPr bwMode="auto">
+            <a:xfrm>
+              <a:off x="1796552" y="6203388"/>
+              <a:ext cx="1038225" cy="572186"/>
+            </a:xfrm>
+            <a:prstGeom prst="rect">
+              <a:avLst/>
+            </a:prstGeom>
+            <a:noFill/>
+            <a:extLst>
+              <a:ext uri="{909E8E84-426E-40DD-AFC4-6F175D3DCCD1}">
+                <a14:hiddenFill xmlns:a14="http://schemas.microsoft.com/office/drawing/2010/main">
+                  <a:solidFill>
+                    <a:srgbClr val="FFFFFF"/>
+                  </a:solidFill>
+                </a14:hiddenFill>
+              </a:ext>
+            </a:extLst>
+          </p:spPr>
+        </p:pic>
+        <p:pic>
+          <p:nvPicPr>
+            <p:cNvPr id="16" name="Picture 10" descr="https://www.unos.org/wp-content/uploads/unos/icon-clock2.png?b2d5de"/>
+            <p:cNvPicPr>
+              <a:picLocks noChangeAspect="1" noChangeArrowheads="1"/>
+            </p:cNvPicPr>
+            <p:nvPr/>
+          </p:nvPicPr>
+          <p:blipFill>
+            <a:blip r:embed="rId7">
+              <a:duotone>
+                <a:schemeClr val="accent1">
+                  <a:shade val="45000"/>
+                  <a:satMod val="135000"/>
+                </a:schemeClr>
+                <a:prstClr val="white"/>
+              </a:duotone>
+              <a:extLst>
+                <a:ext uri="{28A0092B-C50C-407E-A947-70E740481C1C}">
+                  <a14:useLocalDpi xmlns:a14="http://schemas.microsoft.com/office/drawing/2010/main" val="0"/>
+                </a:ext>
+              </a:extLst>
+            </a:blip>
+            <a:srcRect/>
+            <a:stretch>
+              <a:fillRect/>
+            </a:stretch>
+          </p:blipFill>
+          <p:spPr bwMode="auto">
+            <a:xfrm>
+              <a:off x="2694828" y="6151343"/>
+              <a:ext cx="1038225" cy="676276"/>
+            </a:xfrm>
+            <a:prstGeom prst="rect">
+              <a:avLst/>
+            </a:prstGeom>
+            <a:noFill/>
+            <a:extLst>
+              <a:ext uri="{909E8E84-426E-40DD-AFC4-6F175D3DCCD1}">
+                <a14:hiddenFill xmlns:a14="http://schemas.microsoft.com/office/drawing/2010/main">
+                  <a:solidFill>
+                    <a:srgbClr val="FFFFFF"/>
+                  </a:solidFill>
+                </a14:hiddenFill>
+              </a:ext>
+            </a:extLst>
+          </p:spPr>
+        </p:pic>
+        <p:pic>
+          <p:nvPicPr>
+            <p:cNvPr id="17" name="Picture 12" descr="https://www.unos.org/wp-content/uploads/unos/icon-checklist.png?b2d5de"/>
+            <p:cNvPicPr>
+              <a:picLocks noChangeAspect="1" noChangeArrowheads="1"/>
+            </p:cNvPicPr>
+            <p:nvPr/>
+          </p:nvPicPr>
+          <p:blipFill>
+            <a:blip r:embed="rId8">
+              <a:duotone>
+                <a:schemeClr val="accent1">
+                  <a:shade val="45000"/>
+                  <a:satMod val="135000"/>
+                </a:schemeClr>
+                <a:prstClr val="white"/>
+              </a:duotone>
+              <a:extLst>
+                <a:ext uri="{28A0092B-C50C-407E-A947-70E740481C1C}">
+                  <a14:useLocalDpi xmlns:a14="http://schemas.microsoft.com/office/drawing/2010/main" val="0"/>
+                </a:ext>
+              </a:extLst>
+            </a:blip>
+            <a:srcRect/>
+            <a:stretch>
+              <a:fillRect/>
+            </a:stretch>
+          </p:blipFill>
+          <p:spPr bwMode="auto">
+            <a:xfrm>
+              <a:off x="3593104" y="6151343"/>
+              <a:ext cx="1038225" cy="676276"/>
+            </a:xfrm>
+            <a:prstGeom prst="rect">
+              <a:avLst/>
+            </a:prstGeom>
+            <a:noFill/>
+            <a:extLst>
+              <a:ext uri="{909E8E84-426E-40DD-AFC4-6F175D3DCCD1}">
+                <a14:hiddenFill xmlns:a14="http://schemas.microsoft.com/office/drawing/2010/main">
+                  <a:solidFill>
+                    <a:srgbClr val="FFFFFF"/>
+                  </a:solidFill>
+                </a14:hiddenFill>
+              </a:ext>
+            </a:extLst>
+          </p:spPr>
+        </p:pic>
+        <p:pic>
+          <p:nvPicPr>
+            <p:cNvPr id="18" name="Picture 14" descr="https://www.unos.org/wp-content/uploads/unos/icon-consent.png?b2d5de"/>
+            <p:cNvPicPr>
+              <a:picLocks noChangeAspect="1" noChangeArrowheads="1"/>
+            </p:cNvPicPr>
+            <p:nvPr/>
+          </p:nvPicPr>
+          <p:blipFill>
+            <a:blip r:embed="rId9">
+              <a:duotone>
+                <a:schemeClr val="accent1">
+                  <a:shade val="45000"/>
+                  <a:satMod val="135000"/>
+                </a:schemeClr>
+                <a:prstClr val="white"/>
+              </a:duotone>
+              <a:extLst>
+                <a:ext uri="{28A0092B-C50C-407E-A947-70E740481C1C}">
+                  <a14:useLocalDpi xmlns:a14="http://schemas.microsoft.com/office/drawing/2010/main" val="0"/>
+                </a:ext>
+              </a:extLst>
+            </a:blip>
+            <a:srcRect/>
+            <a:stretch>
+              <a:fillRect/>
+            </a:stretch>
+          </p:blipFill>
+          <p:spPr bwMode="auto">
+            <a:xfrm>
+              <a:off x="4491380" y="6151343"/>
+              <a:ext cx="1038225" cy="676276"/>
+            </a:xfrm>
+            <a:prstGeom prst="rect">
+              <a:avLst/>
+            </a:prstGeom>
+            <a:noFill/>
+            <a:extLst>
+              <a:ext uri="{909E8E84-426E-40DD-AFC4-6F175D3DCCD1}">
+                <a14:hiddenFill xmlns:a14="http://schemas.microsoft.com/office/drawing/2010/main">
+                  <a:solidFill>
+                    <a:srgbClr val="FFFFFF"/>
+                  </a:solidFill>
+                </a14:hiddenFill>
+              </a:ext>
+            </a:extLst>
+          </p:spPr>
+        </p:pic>
+        <p:pic>
+          <p:nvPicPr>
+            <p:cNvPr id="19" name="Picture 16" descr="https://www.unos.org/wp-content/uploads/unos/icon-unet.png?b2d5de"/>
+            <p:cNvPicPr>
+              <a:picLocks noChangeAspect="1" noChangeArrowheads="1"/>
+            </p:cNvPicPr>
+            <p:nvPr/>
+          </p:nvPicPr>
+          <p:blipFill rotWithShape="1">
+            <a:blip r:embed="rId10">
+              <a:duotone>
+                <a:schemeClr val="accent1">
+                  <a:shade val="45000"/>
+                  <a:satMod val="135000"/>
+                </a:schemeClr>
+                <a:prstClr val="white"/>
+              </a:duotone>
+              <a:extLst>
+                <a:ext uri="{28A0092B-C50C-407E-A947-70E740481C1C}">
+                  <a14:useLocalDpi xmlns:a14="http://schemas.microsoft.com/office/drawing/2010/main" val="0"/>
+                </a:ext>
+              </a:extLst>
+            </a:blip>
+            <a:srcRect b="15392"/>
+            <a:stretch/>
+          </p:blipFill>
+          <p:spPr bwMode="auto">
+            <a:xfrm>
+              <a:off x="5389656" y="6203388"/>
+              <a:ext cx="1038225" cy="572186"/>
+            </a:xfrm>
+            <a:prstGeom prst="rect">
+              <a:avLst/>
+            </a:prstGeom>
+            <a:noFill/>
+            <a:extLst>
+              <a:ext uri="{909E8E84-426E-40DD-AFC4-6F175D3DCCD1}">
+                <a14:hiddenFill xmlns:a14="http://schemas.microsoft.com/office/drawing/2010/main">
+                  <a:solidFill>
+                    <a:srgbClr val="FFFFFF"/>
+                  </a:solidFill>
+                </a14:hiddenFill>
+              </a:ext>
+            </a:extLst>
+          </p:spPr>
+        </p:pic>
+        <p:pic>
+          <p:nvPicPr>
+            <p:cNvPr id="20" name="Picture 18" descr="https://www.unos.org/wp-content/uploads/unos/icon-organplacement.png?b2d5de"/>
+            <p:cNvPicPr>
+              <a:picLocks noChangeAspect="1" noChangeArrowheads="1"/>
+            </p:cNvPicPr>
+            <p:nvPr/>
+          </p:nvPicPr>
+          <p:blipFill rotWithShape="1">
+            <a:blip r:embed="rId11">
+              <a:duotone>
+                <a:schemeClr val="accent1">
+                  <a:shade val="45000"/>
+                  <a:satMod val="135000"/>
+                </a:schemeClr>
+                <a:prstClr val="white"/>
+              </a:duotone>
+              <a:extLst>
+                <a:ext uri="{28A0092B-C50C-407E-A947-70E740481C1C}">
+                  <a14:useLocalDpi xmlns:a14="http://schemas.microsoft.com/office/drawing/2010/main" val="0"/>
+                </a:ext>
+              </a:extLst>
+            </a:blip>
+            <a:srcRect b="13403"/>
+            <a:stretch/>
+          </p:blipFill>
+          <p:spPr bwMode="auto">
+            <a:xfrm>
+              <a:off x="6287932" y="6196665"/>
+              <a:ext cx="1038225" cy="585633"/>
+            </a:xfrm>
+            <a:prstGeom prst="rect">
+              <a:avLst/>
+            </a:prstGeom>
+            <a:noFill/>
+            <a:extLst>
+              <a:ext uri="{909E8E84-426E-40DD-AFC4-6F175D3DCCD1}">
+                <a14:hiddenFill xmlns:a14="http://schemas.microsoft.com/office/drawing/2010/main">
+                  <a:solidFill>
+                    <a:srgbClr val="FFFFFF"/>
+                  </a:solidFill>
+                </a14:hiddenFill>
+              </a:ext>
+            </a:extLst>
+          </p:spPr>
+        </p:pic>
+        <p:pic>
+          <p:nvPicPr>
+            <p:cNvPr id="21" name="Picture 20" descr="https://www.unos.org/wp-content/uploads/unos/icon2.png?b2d5de"/>
+            <p:cNvPicPr>
+              <a:picLocks noChangeAspect="1" noChangeArrowheads="1"/>
+            </p:cNvPicPr>
+            <p:nvPr/>
+          </p:nvPicPr>
+          <p:blipFill rotWithShape="1">
+            <a:blip r:embed="rId12">
+              <a:duotone>
+                <a:schemeClr val="accent1">
+                  <a:shade val="45000"/>
+                  <a:satMod val="135000"/>
+                </a:schemeClr>
+                <a:prstClr val="white"/>
+              </a:duotone>
+              <a:extLst>
+                <a:ext uri="{28A0092B-C50C-407E-A947-70E740481C1C}">
+                  <a14:useLocalDpi xmlns:a14="http://schemas.microsoft.com/office/drawing/2010/main" val="0"/>
+                </a:ext>
+              </a:extLst>
+            </a:blip>
+            <a:srcRect b="9427"/>
+            <a:stretch/>
+          </p:blipFill>
+          <p:spPr bwMode="auto">
+            <a:xfrm>
+              <a:off x="7186208" y="6183217"/>
+              <a:ext cx="1038225" cy="612528"/>
+            </a:xfrm>
+            <a:prstGeom prst="rect">
+              <a:avLst/>
+            </a:prstGeom>
+            <a:noFill/>
+            <a:extLst>
+              <a:ext uri="{909E8E84-426E-40DD-AFC4-6F175D3DCCD1}">
+                <a14:hiddenFill xmlns:a14="http://schemas.microsoft.com/office/drawing/2010/main">
+                  <a:solidFill>
+                    <a:srgbClr val="FFFFFF"/>
+                  </a:solidFill>
+                </a14:hiddenFill>
+              </a:ext>
+            </a:extLst>
+          </p:spPr>
+        </p:pic>
+        <p:pic>
+          <p:nvPicPr>
+            <p:cNvPr id="22" name="Picture 22" descr="https://www.unos.org/wp-content/uploads/unos/icon1.png?b2d5de"/>
+            <p:cNvPicPr>
+              <a:picLocks noChangeAspect="1" noChangeArrowheads="1"/>
+            </p:cNvPicPr>
+            <p:nvPr/>
+          </p:nvPicPr>
+          <p:blipFill>
+            <a:blip r:embed="rId13">
+              <a:duotone>
+                <a:schemeClr val="accent1">
+                  <a:shade val="45000"/>
+                  <a:satMod val="135000"/>
+                </a:schemeClr>
+                <a:prstClr val="white"/>
+              </a:duotone>
+              <a:extLst>
+                <a:ext uri="{28A0092B-C50C-407E-A947-70E740481C1C}">
+                  <a14:useLocalDpi xmlns:a14="http://schemas.microsoft.com/office/drawing/2010/main" val="0"/>
+                </a:ext>
+              </a:extLst>
+            </a:blip>
+            <a:srcRect/>
+            <a:stretch>
+              <a:fillRect/>
+            </a:stretch>
+          </p:blipFill>
+          <p:spPr bwMode="auto">
+            <a:xfrm>
+              <a:off x="8084484" y="6151343"/>
+              <a:ext cx="1038225" cy="676276"/>
+            </a:xfrm>
+            <a:prstGeom prst="rect">
+              <a:avLst/>
+            </a:prstGeom>
+            <a:noFill/>
+            <a:extLst>
+              <a:ext uri="{909E8E84-426E-40DD-AFC4-6F175D3DCCD1}">
+                <a14:hiddenFill xmlns:a14="http://schemas.microsoft.com/office/drawing/2010/main">
+                  <a:solidFill>
+                    <a:srgbClr val="FFFFFF"/>
+                  </a:solidFill>
+                </a14:hiddenFill>
+              </a:ext>
+            </a:extLst>
+          </p:spPr>
+        </p:pic>
+      </p:grpSp>
     </p:spTree>
     <p:extLst>
       <p:ext uri="{BB962C8B-B14F-4D97-AF65-F5344CB8AC3E}">
         <p14:creationId xmlns:p14="http://schemas.microsoft.com/office/powerpoint/2010/main" val="3720228026"/>
-      </p:ext>
-    </p:extLst>
-  </p:cSld>
-  <p:clrMapOvr>
-    <a:masterClrMapping/>
-  </p:clrMapOvr>
-</p:sld>
-</file>
-
-<file path=ppt/slides/slide18.xml><?xml version="1.0" encoding="utf-8"?>
-<p:sld xmlns:a="http://schemas.openxmlformats.org/drawingml/2006/main" xmlns:r="http://schemas.openxmlformats.org/officeDocument/2006/relationships" xmlns:p="http://schemas.openxmlformats.org/presentationml/2006/main">
-  <p:cSld>
-    <p:spTree>
-      <p:nvGrpSpPr>
-        <p:cNvPr id="1" name=""/>
-        <p:cNvGrpSpPr/>
-        <p:nvPr/>
-      </p:nvGrpSpPr>
-      <p:grpSpPr>
-        <a:xfrm>
-          <a:off x="0" y="0"/>
-          <a:ext cx="0" cy="0"/>
-          <a:chOff x="0" y="0"/>
-          <a:chExt cx="0" cy="0"/>
-        </a:xfrm>
-      </p:grpSpPr>
-      <p:sp>
-        <p:nvSpPr>
-          <p:cNvPr id="2" name="Title 1"/>
-          <p:cNvSpPr>
-            <a:spLocks noGrp="1"/>
-          </p:cNvSpPr>
-          <p:nvPr>
-            <p:ph type="title"/>
-          </p:nvPr>
-        </p:nvSpPr>
-        <p:spPr/>
-        <p:txBody>
-          <a:bodyPr/>
-          <a:lstStyle/>
-          <a:p>
-            <a:r>
-              <a:rPr lang="en-US" dirty="0" smtClean="0"/>
-              <a:t>Batch Runs – Vary Advantage</a:t>
-            </a:r>
-            <a:endParaRPr lang="en-US" dirty="0"/>
-          </a:p>
-        </p:txBody>
-      </p:sp>
-      <p:sp>
-        <p:nvSpPr>
-          <p:cNvPr id="3" name="Content Placeholder 2"/>
-          <p:cNvSpPr>
-            <a:spLocks noGrp="1"/>
-          </p:cNvSpPr>
-          <p:nvPr>
-            <p:ph idx="1"/>
-          </p:nvPr>
-        </p:nvSpPr>
-        <p:spPr/>
-        <p:txBody>
-          <a:bodyPr/>
-          <a:lstStyle/>
-          <a:p>
-            <a:endParaRPr lang="en-US" dirty="0"/>
-          </a:p>
-        </p:txBody>
-      </p:sp>
-      <p:sp>
-        <p:nvSpPr>
-          <p:cNvPr id="4" name="Slide Number Placeholder 3"/>
-          <p:cNvSpPr>
-            <a:spLocks noGrp="1"/>
-          </p:cNvSpPr>
-          <p:nvPr>
-            <p:ph type="sldNum" sz="quarter" idx="12"/>
-          </p:nvPr>
-        </p:nvSpPr>
-        <p:spPr/>
-        <p:txBody>
-          <a:bodyPr/>
-          <a:lstStyle/>
-          <a:p>
-            <a:fld id="{7F8D1A9C-6056-482D-9AC4-BD83A5379FC7}" type="slidenum">
-              <a:rPr lang="en-US" smtClean="0"/>
-              <a:t>18</a:t>
-            </a:fld>
-            <a:endParaRPr lang="en-US" dirty="0"/>
-          </a:p>
-        </p:txBody>
-      </p:sp>
-    </p:spTree>
-    <p:extLst>
-      <p:ext uri="{BB962C8B-B14F-4D97-AF65-F5344CB8AC3E}">
-        <p14:creationId xmlns:p14="http://schemas.microsoft.com/office/powerpoint/2010/main" val="912483209"/>
       </p:ext>
     </p:extLst>
   </p:cSld>
@@ -32393,7 +35042,7 @@
           <a:p>
             <a:r>
               <a:rPr lang="en-US" dirty="0" smtClean="0"/>
-              <a:t>Conclusions</a:t>
+              <a:t>Batch Runs – Vary Advantage</a:t>
             </a:r>
             <a:endParaRPr lang="en-US" dirty="0"/>
           </a:p>
@@ -32413,18 +35062,6 @@
         <p:txBody>
           <a:bodyPr/>
           <a:lstStyle/>
-          <a:p>
-            <a:r>
-              <a:rPr lang="en-US" dirty="0" smtClean="0"/>
-              <a:t>Model provides an exploratory view of patient advantages in the transplant system</a:t>
-            </a:r>
-          </a:p>
-          <a:p>
-            <a:r>
-              <a:rPr lang="en-US" dirty="0" smtClean="0"/>
-              <a:t>Allowing multiple wait listings does not affect the number of transplants performed</a:t>
-            </a:r>
-          </a:p>
           <a:p>
             <a:endParaRPr lang="en-US" dirty="0"/>
           </a:p>
@@ -32456,7 +35093,7 @@
     </p:spTree>
     <p:extLst>
       <p:ext uri="{BB962C8B-B14F-4D97-AF65-F5344CB8AC3E}">
-        <p14:creationId xmlns:p14="http://schemas.microsoft.com/office/powerpoint/2010/main" val="451771250"/>
+        <p14:creationId xmlns:p14="http://schemas.microsoft.com/office/powerpoint/2010/main" val="912483209"/>
       </p:ext>
     </p:extLst>
   </p:cSld>
@@ -33203,6 +35840,113 @@
           <a:p>
             <a:r>
               <a:rPr lang="en-US" dirty="0" smtClean="0"/>
+              <a:t>Conclusions</a:t>
+            </a:r>
+            <a:endParaRPr lang="en-US" dirty="0"/>
+          </a:p>
+        </p:txBody>
+      </p:sp>
+      <p:sp>
+        <p:nvSpPr>
+          <p:cNvPr id="3" name="Content Placeholder 2"/>
+          <p:cNvSpPr>
+            <a:spLocks noGrp="1"/>
+          </p:cNvSpPr>
+          <p:nvPr>
+            <p:ph idx="1"/>
+          </p:nvPr>
+        </p:nvSpPr>
+        <p:spPr/>
+        <p:txBody>
+          <a:bodyPr/>
+          <a:lstStyle/>
+          <a:p>
+            <a:r>
+              <a:rPr lang="en-US" dirty="0" smtClean="0"/>
+              <a:t>Model provides an exploratory view of patient advantages in the transplant system</a:t>
+            </a:r>
+          </a:p>
+          <a:p>
+            <a:r>
+              <a:rPr lang="en-US" dirty="0" smtClean="0"/>
+              <a:t>Allowing multiple wait listings does not affect the number of transplants performed</a:t>
+            </a:r>
+          </a:p>
+          <a:p>
+            <a:endParaRPr lang="en-US" dirty="0"/>
+          </a:p>
+        </p:txBody>
+      </p:sp>
+      <p:sp>
+        <p:nvSpPr>
+          <p:cNvPr id="4" name="Slide Number Placeholder 3"/>
+          <p:cNvSpPr>
+            <a:spLocks noGrp="1"/>
+          </p:cNvSpPr>
+          <p:nvPr>
+            <p:ph type="sldNum" sz="quarter" idx="12"/>
+          </p:nvPr>
+        </p:nvSpPr>
+        <p:spPr/>
+        <p:txBody>
+          <a:bodyPr/>
+          <a:lstStyle/>
+          <a:p>
+            <a:fld id="{7F8D1A9C-6056-482D-9AC4-BD83A5379FC7}" type="slidenum">
+              <a:rPr lang="en-US" smtClean="0"/>
+              <a:t>20</a:t>
+            </a:fld>
+            <a:endParaRPr lang="en-US" dirty="0"/>
+          </a:p>
+        </p:txBody>
+      </p:sp>
+    </p:spTree>
+    <p:extLst>
+      <p:ext uri="{BB962C8B-B14F-4D97-AF65-F5344CB8AC3E}">
+        <p14:creationId xmlns:p14="http://schemas.microsoft.com/office/powerpoint/2010/main" val="451771250"/>
+      </p:ext>
+    </p:extLst>
+  </p:cSld>
+  <p:clrMapOvr>
+    <a:masterClrMapping/>
+  </p:clrMapOvr>
+</p:sld>
+</file>
+
+<file path=ppt/slides/slide21.xml><?xml version="1.0" encoding="utf-8"?>
+<p:sld xmlns:a="http://schemas.openxmlformats.org/drawingml/2006/main" xmlns:r="http://schemas.openxmlformats.org/officeDocument/2006/relationships" xmlns:p="http://schemas.openxmlformats.org/presentationml/2006/main">
+  <p:cSld>
+    <p:spTree>
+      <p:nvGrpSpPr>
+        <p:cNvPr id="1" name=""/>
+        <p:cNvGrpSpPr/>
+        <p:nvPr/>
+      </p:nvGrpSpPr>
+      <p:grpSpPr>
+        <a:xfrm>
+          <a:off x="0" y="0"/>
+          <a:ext cx="0" cy="0"/>
+          <a:chOff x="0" y="0"/>
+          <a:chExt cx="0" cy="0"/>
+        </a:xfrm>
+      </p:grpSpPr>
+      <p:sp>
+        <p:nvSpPr>
+          <p:cNvPr id="2" name="Title 1"/>
+          <p:cNvSpPr>
+            <a:spLocks noGrp="1"/>
+          </p:cNvSpPr>
+          <p:nvPr>
+            <p:ph type="title"/>
+          </p:nvPr>
+        </p:nvSpPr>
+        <p:spPr/>
+        <p:txBody>
+          <a:bodyPr/>
+          <a:lstStyle/>
+          <a:p>
+            <a:r>
+              <a:rPr lang="en-US" dirty="0" smtClean="0"/>
               <a:t>Questions</a:t>
             </a:r>
             <a:endParaRPr lang="en-US" dirty="0"/>
@@ -33308,7 +36052,7 @@
           <a:p>
             <a:fld id="{7F8D1A9C-6056-482D-9AC4-BD83A5379FC7}" type="slidenum">
               <a:rPr lang="en-US" smtClean="0"/>
-              <a:t>20</a:t>
+              <a:t>21</a:t>
             </a:fld>
             <a:endParaRPr lang="en-US" dirty="0"/>
           </a:p>
@@ -33909,7 +36653,7 @@
 </p:sld>
 </file>
 
-<file path=ppt/slides/slide21.xml><?xml version="1.0" encoding="utf-8"?>
+<file path=ppt/slides/slide22.xml><?xml version="1.0" encoding="utf-8"?>
 <p:sld xmlns:a="http://schemas.openxmlformats.org/drawingml/2006/main" xmlns:r="http://schemas.openxmlformats.org/officeDocument/2006/relationships" xmlns:p="http://schemas.openxmlformats.org/presentationml/2006/main">
   <p:cSld>
     <p:spTree>
@@ -34178,7 +36922,7 @@
           <a:p>
             <a:fld id="{7F8D1A9C-6056-482D-9AC4-BD83A5379FC7}" type="slidenum">
               <a:rPr lang="en-US" smtClean="0"/>
-              <a:t>21</a:t>
+              <a:t>22</a:t>
             </a:fld>
             <a:endParaRPr lang="en-US" dirty="0"/>
           </a:p>
@@ -40682,25 +43426,6 @@
 </file>
 
 <file path=customXml/item1.xml><?xml version="1.0" encoding="utf-8"?>
-<?mso-contentType ?>
-<customXsn xmlns="http://schemas.microsoft.com/office/2006/metadata/customXsn">
-  <xsnLocation/>
-  <cached>True</cached>
-  <openByDefault>True</openByDefault>
-  <xsnScope/>
-</customXsn>
-</file>
-
-<file path=customXml/item2.xml><?xml version="1.0" encoding="utf-8"?>
-<?mso-contentType ?>
-<FormTemplates xmlns="http://schemas.microsoft.com/sharepoint/v3/contenttype/forms">
-  <Display>DocumentLibraryForm</Display>
-  <Edit>DocumentLibraryForm</Edit>
-  <New>DocumentLibraryForm</New>
-</FormTemplates>
-</file>
-
-<file path=customXml/item3.xml><?xml version="1.0" encoding="utf-8"?>
 <ct:contentTypeSchema xmlns:ct="http://schemas.microsoft.com/office/2006/metadata/contentType" xmlns:ma="http://schemas.microsoft.com/office/2006/metadata/properties/metaAttributes" ct:_="" ma:_="" ma:contentTypeName="MITRE Work" ma:contentTypeID="0x010100823A99C636F7423283FB0D200866C61300ED7B95B9F3884348B31FF9A448CD4B00" ma:contentTypeVersion="6" ma:contentTypeDescription="Materials and documents that contain MITRE authored content and other content directly attributable to MITRE and its work" ma:contentTypeScope="" ma:versionID="58ba31e6f45a44c93a800796a8ce8a68">
   <xsd:schema xmlns:xsd="http://www.w3.org/2001/XMLSchema" xmlns:xs="http://www.w3.org/2001/XMLSchema" xmlns:p="http://schemas.microsoft.com/office/2006/metadata/properties" xmlns:ns1="http://schemas.microsoft.com/sharepoint/v3" xmlns:ns2="http://schemas.microsoft.com/sharepoint/v3/fields" xmlns:ns3="ae7241bb-316f-43d3-a81e-64ec0fc1fc73" xmlns:ns4="http://schemas.microsoft.com/sharepoint/v4" targetNamespace="http://schemas.microsoft.com/office/2006/metadata/properties" ma:root="true" ma:fieldsID="cdca6afe4cce31a76c486a86377567fb" ns1:_="" ns2:_="" ns3:_="" ns4:_="">
     <xsd:import namespace="http://schemas.microsoft.com/sharepoint/v3"/>
@@ -40913,6 +43638,25 @@
 </ct:contentTypeSchema>
 </file>
 
+<file path=customXml/item2.xml><?xml version="1.0" encoding="utf-8"?>
+<?mso-contentType ?>
+<FormTemplates xmlns="http://schemas.microsoft.com/sharepoint/v3/contenttype/forms">
+  <Display>DocumentLibraryForm</Display>
+  <Edit>DocumentLibraryForm</Edit>
+  <New>DocumentLibraryForm</New>
+</FormTemplates>
+</file>
+
+<file path=customXml/item3.xml><?xml version="1.0" encoding="utf-8"?>
+<?mso-contentType ?>
+<customXsn xmlns="http://schemas.microsoft.com/office/2006/metadata/customXsn">
+  <xsnLocation/>
+  <cached>True</cached>
+  <openByDefault>True</openByDefault>
+  <xsnScope/>
+</customXsn>
+</file>
+
 <file path=customXml/item4.xml><?xml version="1.0" encoding="utf-8"?>
 <p:properties xmlns:p="http://schemas.microsoft.com/office/2006/metadata/properties" xmlns:xsi="http://www.w3.org/2001/XMLSchema-instance" xmlns:pc="http://schemas.microsoft.com/office/infopath/2007/PartnerControls">
   <documentManagement>
@@ -40930,22 +43674,6 @@
 </file>
 
 <file path=customXml/itemProps1.xml><?xml version="1.0" encoding="utf-8"?>
-<ds:datastoreItem xmlns:ds="http://schemas.openxmlformats.org/officeDocument/2006/customXml" ds:itemID="{E3ACA70F-5239-4EAD-8662-B426DD45ADC5}">
-  <ds:schemaRefs>
-    <ds:schemaRef ds:uri="http://schemas.microsoft.com/office/2006/metadata/customXsn"/>
-  </ds:schemaRefs>
-</ds:datastoreItem>
-</file>
-
-<file path=customXml/itemProps2.xml><?xml version="1.0" encoding="utf-8"?>
-<ds:datastoreItem xmlns:ds="http://schemas.openxmlformats.org/officeDocument/2006/customXml" ds:itemID="{CDB3DEA0-973B-4278-8429-73F86CBC4520}">
-  <ds:schemaRefs>
-    <ds:schemaRef ds:uri="http://schemas.microsoft.com/sharepoint/v3/contenttype/forms"/>
-  </ds:schemaRefs>
-</ds:datastoreItem>
-</file>
-
-<file path=customXml/itemProps3.xml><?xml version="1.0" encoding="utf-8"?>
 <ds:datastoreItem xmlns:ds="http://schemas.openxmlformats.org/officeDocument/2006/customXml" ds:itemID="{EA5CBAD2-1699-4AC5-9793-1B49953CFA88}">
   <ds:schemaRefs>
     <ds:schemaRef ds:uri="http://schemas.microsoft.com/office/2006/metadata/contentType"/>
@@ -40962,6 +43690,22 @@
     <ds:schemaRef ds:uri="http://purl.org/dc/elements/1.1/"/>
     <ds:schemaRef ds:uri="http://purl.org/dc/terms/"/>
     <ds:schemaRef ds:uri="http://schemas.microsoft.com/internal/obd"/>
+  </ds:schemaRefs>
+</ds:datastoreItem>
+</file>
+
+<file path=customXml/itemProps2.xml><?xml version="1.0" encoding="utf-8"?>
+<ds:datastoreItem xmlns:ds="http://schemas.openxmlformats.org/officeDocument/2006/customXml" ds:itemID="{CDB3DEA0-973B-4278-8429-73F86CBC4520}">
+  <ds:schemaRefs>
+    <ds:schemaRef ds:uri="http://schemas.microsoft.com/sharepoint/v3/contenttype/forms"/>
+  </ds:schemaRefs>
+</ds:datastoreItem>
+</file>
+
+<file path=customXml/itemProps3.xml><?xml version="1.0" encoding="utf-8"?>
+<ds:datastoreItem xmlns:ds="http://schemas.openxmlformats.org/officeDocument/2006/customXml" ds:itemID="{E3ACA70F-5239-4EAD-8662-B426DD45ADC5}">
+  <ds:schemaRefs>
+    <ds:schemaRef ds:uri="http://schemas.microsoft.com/office/2006/metadata/customXsn"/>
   </ds:schemaRefs>
 </ds:datastoreItem>
 </file>
